--- a/src/templates/pptx/default_template.pptx
+++ b/src/templates/pptx/default_template.pptx
@@ -151,7 +151,7 @@
         </p:nvSpPr>
         <p:spPr>
           <a:xfrm>
-            <a:off x="0" y="3"/>
+            <a:off x="0" y="0"/>
             <a:ext cx="12192000" cy="4862287"/>
           </a:xfrm>
           <a:prstGeom prst="rect">
@@ -928,7 +928,7 @@
 </file>
 
 <file path=ppt/slideLayouts/slideLayout2.xml><?xml version="1.0" encoding="utf-8"?>
-<p:sldLayout xmlns:a="http://schemas.openxmlformats.org/drawingml/2006/main" xmlns:r="http://schemas.openxmlformats.org/officeDocument/2006/relationships" xmlns:p="http://schemas.openxmlformats.org/presentationml/2006/main" type="obj" preserve="1">
+<p:sldLayout xmlns:a="http://schemas.openxmlformats.org/drawingml/2006/main" xmlns:r="http://schemas.openxmlformats.org/officeDocument/2006/relationships" xmlns:p="http://schemas.openxmlformats.org/presentationml/2006/main" preserve="1" userDrawn="1">
   <p:cSld name="Layout_Body">
     <p:spTree>
       <p:nvGrpSpPr>
@@ -954,15 +954,26 @@
             <p:ph type="title"/>
           </p:nvPr>
         </p:nvSpPr>
-        <p:spPr/>
-        <p:txBody>
-          <a:bodyPr/>
-          <a:lstStyle/>
-          <a:p>
-            <a:r>
-              <a:rPr lang="en-US"/>
-              <a:t>Click to edit Master title style</a:t>
-            </a:r>
+        <p:spPr>
+          <a:xfrm>
+            <a:off x="1093725" y="822223"/>
+            <a:ext cx="7946101" cy="381545"/>
+          </a:xfrm>
+        </p:spPr>
+        <p:txBody>
+          <a:bodyPr>
+            <a:normAutofit/>
+          </a:bodyPr>
+          <a:lstStyle>
+            <a:lvl1pPr algn="l">
+              <a:defRPr sz="2400">
+                <a:latin typeface="프리젠테이션 8 ExtraBold" pitchFamily="2" charset="-127"/>
+                <a:ea typeface="프리젠테이션 8 ExtraBold" pitchFamily="2" charset="-127"/>
+              </a:defRPr>
+            </a:lvl1pPr>
+          </a:lstStyle>
+          <a:p>
+            <a:endParaRPr lang="en-US" dirty="0"/>
           </a:p>
         </p:txBody>
       </p:sp>
@@ -976,42 +987,110 @@
             <p:ph idx="1"/>
           </p:nvPr>
         </p:nvSpPr>
-        <p:spPr/>
-        <p:txBody>
-          <a:bodyPr/>
-          <a:lstStyle/>
+        <p:spPr>
+          <a:xfrm>
+            <a:off x="1106773" y="3261066"/>
+            <a:ext cx="5367795" cy="2599046"/>
+          </a:xfrm>
+        </p:spPr>
+        <p:txBody>
+          <a:bodyPr>
+            <a:normAutofit/>
+          </a:bodyPr>
+          <a:lstStyle>
+            <a:lvl1pPr>
+              <a:defRPr sz="1200">
+                <a:solidFill>
+                  <a:schemeClr val="tx1">
+                    <a:lumMod val="65000"/>
+                    <a:lumOff val="35000"/>
+                  </a:schemeClr>
+                </a:solidFill>
+                <a:latin typeface="프리젠테이션 3 Light" pitchFamily="2" charset="-127"/>
+                <a:ea typeface="프리젠테이션 3 Light" pitchFamily="2" charset="-127"/>
+              </a:defRPr>
+            </a:lvl1pPr>
+            <a:lvl2pPr>
+              <a:defRPr sz="1200">
+                <a:solidFill>
+                  <a:schemeClr val="tx1">
+                    <a:lumMod val="65000"/>
+                    <a:lumOff val="35000"/>
+                  </a:schemeClr>
+                </a:solidFill>
+                <a:latin typeface="프리젠테이션 3 Light" pitchFamily="2" charset="-127"/>
+                <a:ea typeface="프리젠테이션 3 Light" pitchFamily="2" charset="-127"/>
+              </a:defRPr>
+            </a:lvl2pPr>
+            <a:lvl3pPr>
+              <a:defRPr sz="1200">
+                <a:solidFill>
+                  <a:schemeClr val="tx1">
+                    <a:lumMod val="65000"/>
+                    <a:lumOff val="35000"/>
+                  </a:schemeClr>
+                </a:solidFill>
+                <a:latin typeface="프리젠테이션 3 Light" pitchFamily="2" charset="-127"/>
+                <a:ea typeface="프리젠테이션 3 Light" pitchFamily="2" charset="-127"/>
+              </a:defRPr>
+            </a:lvl3pPr>
+            <a:lvl4pPr>
+              <a:defRPr sz="1200">
+                <a:solidFill>
+                  <a:schemeClr val="tx1">
+                    <a:lumMod val="65000"/>
+                    <a:lumOff val="35000"/>
+                  </a:schemeClr>
+                </a:solidFill>
+                <a:latin typeface="프리젠테이션 3 Light" pitchFamily="2" charset="-127"/>
+                <a:ea typeface="프리젠테이션 3 Light" pitchFamily="2" charset="-127"/>
+              </a:defRPr>
+            </a:lvl4pPr>
+            <a:lvl5pPr>
+              <a:defRPr sz="1200">
+                <a:solidFill>
+                  <a:schemeClr val="tx1">
+                    <a:lumMod val="65000"/>
+                    <a:lumOff val="35000"/>
+                  </a:schemeClr>
+                </a:solidFill>
+                <a:latin typeface="프리젠테이션 3 Light" pitchFamily="2" charset="-127"/>
+                <a:ea typeface="프리젠테이션 3 Light" pitchFamily="2" charset="-127"/>
+              </a:defRPr>
+            </a:lvl5pPr>
+          </a:lstStyle>
           <a:p>
             <a:pPr lvl="0"/>
             <a:r>
-              <a:rPr lang="en-US"/>
+              <a:rPr lang="en-US" dirty="0"/>
               <a:t>Click to edit Master text styles</a:t>
             </a:r>
           </a:p>
           <a:p>
             <a:pPr lvl="1"/>
             <a:r>
-              <a:rPr lang="en-US"/>
+              <a:rPr lang="en-US" dirty="0"/>
               <a:t>Second level</a:t>
             </a:r>
           </a:p>
           <a:p>
             <a:pPr lvl="2"/>
             <a:r>
-              <a:rPr lang="en-US"/>
+              <a:rPr lang="en-US" dirty="0"/>
               <a:t>Third level</a:t>
             </a:r>
           </a:p>
           <a:p>
             <a:pPr lvl="3"/>
             <a:r>
-              <a:rPr lang="en-US"/>
+              <a:rPr lang="en-US" dirty="0"/>
               <a:t>Fourth level</a:t>
             </a:r>
           </a:p>
           <a:p>
             <a:pPr lvl="4"/>
             <a:r>
-              <a:rPr lang="en-US"/>
+              <a:rPr lang="en-US" dirty="0"/>
               <a:t>Fifth level</a:t>
             </a:r>
           </a:p>
@@ -1079,6 +1158,2748 @@
               <a:t>‹#›</a:t>
             </a:fld>
             <a:endParaRPr lang="en-US"/>
+          </a:p>
+        </p:txBody>
+      </p:sp>
+      <p:sp>
+        <p:nvSpPr>
+          <p:cNvPr id="14" name="TextBox 13">
+            <a:extLst>
+              <a:ext uri="{FF2B5EF4-FFF2-40B4-BE49-F238E27FC236}">
+                <a16:creationId xmlns:a16="http://schemas.microsoft.com/office/drawing/2014/main" id="{C7E6E490-DFC9-004F-492C-A6DF98E36FE3}"/>
+              </a:ext>
+            </a:extLst>
+          </p:cNvPr>
+          <p:cNvSpPr txBox="1"/>
+          <p:nvPr userDrawn="1"/>
+        </p:nvSpPr>
+        <p:spPr>
+          <a:xfrm>
+            <a:off x="11024145" y="914556"/>
+            <a:ext cx="580480" cy="276999"/>
+          </a:xfrm>
+          <a:prstGeom prst="rect">
+            <a:avLst/>
+          </a:prstGeom>
+          <a:noFill/>
+        </p:spPr>
+        <p:txBody>
+          <a:bodyPr wrap="none" lIns="0" tIns="0" rIns="0" bIns="0" rtlCol="0" anchor="b">
+            <a:spAutoFit/>
+          </a:bodyPr>
+          <a:lstStyle>
+            <a:defPPr>
+              <a:defRPr lang="ko-KR"/>
+            </a:defPPr>
+            <a:lvl1pPr>
+              <a:defRPr>
+                <a:ln>
+                  <a:solidFill>
+                    <a:schemeClr val="tx1">
+                      <a:alpha val="0"/>
+                    </a:schemeClr>
+                  </a:solidFill>
+                </a:ln>
+                <a:latin typeface="Pretendard Medium" panose="02000603000000020004" pitchFamily="50" charset="-127"/>
+                <a:ea typeface="Pretendard Medium" panose="02000603000000020004" pitchFamily="50" charset="-127"/>
+                <a:cs typeface="Pretendard Medium" panose="02000603000000020004" pitchFamily="50" charset="-127"/>
+              </a:defRPr>
+            </a:lvl1pPr>
+          </a:lstStyle>
+          <a:p>
+            <a:pPr algn="r" defTabSz="914400" latinLnBrk="1"/>
+            <a:r>
+              <a:rPr lang="en-US" altLang="ko-KR">
+                <a:ln>
+                  <a:solidFill>
+                    <a:srgbClr val="000000">
+                      <a:alpha val="0"/>
+                    </a:srgbClr>
+                  </a:solidFill>
+                </a:ln>
+                <a:solidFill>
+                  <a:srgbClr val="0049F0"/>
+                </a:solidFill>
+                <a:latin typeface="프리젠테이션 5 Medium" pitchFamily="2" charset="-127"/>
+                <a:ea typeface="프리젠테이션 5 Medium" pitchFamily="2" charset="-127"/>
+              </a:rPr>
+              <a:t>LOGO</a:t>
+            </a:r>
+          </a:p>
+        </p:txBody>
+      </p:sp>
+      <p:cxnSp>
+        <p:nvCxnSpPr>
+          <p:cNvPr id="15" name="직선 연결선 9">
+            <a:extLst>
+              <a:ext uri="{FF2B5EF4-FFF2-40B4-BE49-F238E27FC236}">
+                <a16:creationId xmlns:a16="http://schemas.microsoft.com/office/drawing/2014/main" id="{34452373-09CA-1E3B-17EB-0ACCF6640927}"/>
+              </a:ext>
+            </a:extLst>
+          </p:cNvPr>
+          <p:cNvCxnSpPr>
+            <a:cxnSpLocks/>
+          </p:cNvCxnSpPr>
+          <p:nvPr userDrawn="1"/>
+        </p:nvCxnSpPr>
+        <p:spPr>
+          <a:xfrm>
+            <a:off x="976148" y="1254620"/>
+            <a:ext cx="10664990" cy="0"/>
+          </a:xfrm>
+          <a:prstGeom prst="line">
+            <a:avLst/>
+          </a:prstGeom>
+          <a:noFill/>
+          <a:ln w="6350" cap="flat" cmpd="sng" algn="ctr">
+            <a:solidFill>
+              <a:srgbClr val="FFFFFF">
+                <a:lumMod val="75000"/>
+              </a:srgbClr>
+            </a:solidFill>
+            <a:prstDash val="solid"/>
+            <a:miter lim="800000"/>
+          </a:ln>
+          <a:effectLst/>
+        </p:spPr>
+      </p:cxnSp>
+      <p:cxnSp>
+        <p:nvCxnSpPr>
+          <p:cNvPr id="16" name="직선 연결선 10">
+            <a:extLst>
+              <a:ext uri="{FF2B5EF4-FFF2-40B4-BE49-F238E27FC236}">
+                <a16:creationId xmlns:a16="http://schemas.microsoft.com/office/drawing/2014/main" id="{FC93D8A7-DA73-F28F-0446-2C3D23F530EE}"/>
+              </a:ext>
+            </a:extLst>
+          </p:cNvPr>
+          <p:cNvCxnSpPr>
+            <a:cxnSpLocks/>
+          </p:cNvCxnSpPr>
+          <p:nvPr userDrawn="1"/>
+        </p:nvCxnSpPr>
+        <p:spPr>
+          <a:xfrm>
+            <a:off x="570850" y="1254620"/>
+            <a:ext cx="403037" cy="0"/>
+          </a:xfrm>
+          <a:prstGeom prst="line">
+            <a:avLst/>
+          </a:prstGeom>
+          <a:noFill/>
+          <a:ln w="38100" cap="rnd" cmpd="sng" algn="ctr">
+            <a:solidFill>
+              <a:srgbClr val="0049F0"/>
+            </a:solidFill>
+            <a:prstDash val="solid"/>
+            <a:miter lim="800000"/>
+          </a:ln>
+          <a:effectLst/>
+        </p:spPr>
+      </p:cxnSp>
+      <p:sp>
+        <p:nvSpPr>
+          <p:cNvPr id="17" name="TextBox 16">
+            <a:extLst>
+              <a:ext uri="{FF2B5EF4-FFF2-40B4-BE49-F238E27FC236}">
+                <a16:creationId xmlns:a16="http://schemas.microsoft.com/office/drawing/2014/main" id="{6F7C7F55-CBEA-AF19-1F87-40CF0B75C268}"/>
+              </a:ext>
+            </a:extLst>
+          </p:cNvPr>
+          <p:cNvSpPr txBox="1"/>
+          <p:nvPr userDrawn="1"/>
+        </p:nvSpPr>
+        <p:spPr>
+          <a:xfrm>
+            <a:off x="570850" y="822223"/>
+            <a:ext cx="348172" cy="369332"/>
+          </a:xfrm>
+          <a:prstGeom prst="rect">
+            <a:avLst/>
+          </a:prstGeom>
+          <a:noFill/>
+        </p:spPr>
+        <p:txBody>
+          <a:bodyPr wrap="none" lIns="0" tIns="0" rIns="0" bIns="0" rtlCol="0">
+            <a:spAutoFit/>
+          </a:bodyPr>
+          <a:lstStyle/>
+          <a:p>
+            <a:pPr defTabSz="914400" latinLnBrk="1"/>
+            <a:r>
+              <a:rPr lang="en-US" altLang="ko-KR" sz="2400" spc="-30" dirty="0">
+                <a:ln>
+                  <a:solidFill>
+                    <a:srgbClr val="000000">
+                      <a:alpha val="0"/>
+                    </a:srgbClr>
+                  </a:solidFill>
+                </a:ln>
+                <a:solidFill>
+                  <a:srgbClr val="0049F0"/>
+                </a:solidFill>
+                <a:latin typeface="프리젠테이션 9 Black" pitchFamily="2" charset="-127"/>
+                <a:ea typeface="프리젠테이션 9 Black" pitchFamily="2" charset="-127"/>
+                <a:cs typeface="Pretendard Black" panose="02000A03000000020004" pitchFamily="50" charset="-127"/>
+              </a:rPr>
+              <a:t>00</a:t>
+            </a:r>
+          </a:p>
+        </p:txBody>
+      </p:sp>
+      <p:sp>
+        <p:nvSpPr>
+          <p:cNvPr id="19" name="모서리가 둥근 직사각형 3">
+            <a:extLst>
+              <a:ext uri="{FF2B5EF4-FFF2-40B4-BE49-F238E27FC236}">
+                <a16:creationId xmlns:a16="http://schemas.microsoft.com/office/drawing/2014/main" id="{7E1B7060-6EA6-7D7D-29BA-CC9CCF3CAE92}"/>
+              </a:ext>
+            </a:extLst>
+          </p:cNvPr>
+          <p:cNvSpPr/>
+          <p:nvPr userDrawn="1"/>
+        </p:nvSpPr>
+        <p:spPr>
+          <a:xfrm rot="2700000">
+            <a:off x="8424617" y="2066353"/>
+            <a:ext cx="1282157" cy="1282157"/>
+          </a:xfrm>
+          <a:prstGeom prst="roundRect">
+            <a:avLst>
+              <a:gd name="adj" fmla="val 5018"/>
+            </a:avLst>
+          </a:prstGeom>
+          <a:solidFill>
+            <a:srgbClr val="0049F0"/>
+          </a:solidFill>
+          <a:ln w="12700" cap="flat" cmpd="sng" algn="ctr">
+            <a:noFill/>
+            <a:prstDash val="solid"/>
+            <a:miter lim="800000"/>
+          </a:ln>
+          <a:effectLst/>
+        </p:spPr>
+        <p:txBody>
+          <a:bodyPr rtlCol="0" anchor="ctr"/>
+          <a:lstStyle/>
+          <a:p>
+            <a:pPr marL="0" marR="0" lvl="0" indent="0" algn="ctr" defTabSz="914400" eaLnBrk="1" fontAlgn="auto" latinLnBrk="1" hangingPunct="1">
+              <a:lnSpc>
+                <a:spcPct val="100000"/>
+              </a:lnSpc>
+              <a:spcBef>
+                <a:spcPts val="0"/>
+              </a:spcBef>
+              <a:spcAft>
+                <a:spcPts val="0"/>
+              </a:spcAft>
+              <a:buClrTx/>
+              <a:buSzTx/>
+              <a:buFontTx/>
+              <a:buNone/>
+              <a:tabLst/>
+              <a:defRPr/>
+            </a:pPr>
+            <a:endParaRPr kumimoji="0" lang="ko-KR" altLang="en-US" sz="2000" b="0" i="0" u="none" strike="noStrike" kern="0" cap="none" spc="0" normalizeH="0" baseline="0" noProof="0">
+              <a:ln>
+                <a:noFill/>
+              </a:ln>
+              <a:solidFill>
+                <a:srgbClr val="FFFFFF"/>
+              </a:solidFill>
+              <a:effectLst/>
+              <a:uLnTx/>
+              <a:uFillTx/>
+              <a:latin typeface="프리젠테이션 3 Light" pitchFamily="2" charset="-127"/>
+              <a:ea typeface="프리젠테이션 3 Light"/>
+              <a:cs typeface="+mn-cs"/>
+            </a:endParaRPr>
+          </a:p>
+        </p:txBody>
+      </p:sp>
+      <p:sp>
+        <p:nvSpPr>
+          <p:cNvPr id="20" name="TextBox 19">
+            <a:extLst>
+              <a:ext uri="{FF2B5EF4-FFF2-40B4-BE49-F238E27FC236}">
+                <a16:creationId xmlns:a16="http://schemas.microsoft.com/office/drawing/2014/main" id="{EF47F1FA-1652-FACD-EFFC-806E48331E75}"/>
+              </a:ext>
+            </a:extLst>
+          </p:cNvPr>
+          <p:cNvSpPr txBox="1"/>
+          <p:nvPr userDrawn="1"/>
+        </p:nvSpPr>
+        <p:spPr>
+          <a:xfrm>
+            <a:off x="8593770" y="2398426"/>
+            <a:ext cx="919032" cy="615361"/>
+          </a:xfrm>
+          <a:prstGeom prst="rect">
+            <a:avLst/>
+          </a:prstGeom>
+          <a:noFill/>
+        </p:spPr>
+        <p:txBody>
+          <a:bodyPr wrap="square" rtlCol="0" anchor="ctr">
+            <a:spAutoFit/>
+          </a:bodyPr>
+          <a:lstStyle/>
+          <a:p>
+            <a:pPr algn="ctr" defTabSz="914400">
+              <a:lnSpc>
+                <a:spcPct val="110000"/>
+              </a:lnSpc>
+              <a:defRPr/>
+            </a:pPr>
+            <a:r>
+              <a:rPr lang="ko-KR" altLang="en-US" sz="1600" spc="-20" dirty="0">
+                <a:ln>
+                  <a:solidFill>
+                    <a:srgbClr val="000000">
+                      <a:alpha val="0"/>
+                    </a:srgbClr>
+                  </a:solidFill>
+                </a:ln>
+                <a:solidFill>
+                  <a:srgbClr val="FFFFFF"/>
+                </a:solidFill>
+                <a:latin typeface="프리젠테이션 8 ExtraBold" pitchFamily="2" charset="-127"/>
+                <a:ea typeface="프리젠테이션 8 ExtraBold" pitchFamily="2" charset="-127"/>
+                <a:cs typeface="Pretendard ExtraBold" panose="02000903000000020004" pitchFamily="2" charset="-127"/>
+              </a:rPr>
+              <a:t>키워드</a:t>
+            </a:r>
+            <a:endParaRPr lang="en-US" altLang="ko-KR" sz="1600" spc="-20" dirty="0">
+              <a:ln>
+                <a:solidFill>
+                  <a:srgbClr val="000000">
+                    <a:alpha val="0"/>
+                  </a:srgbClr>
+                </a:solidFill>
+              </a:ln>
+              <a:solidFill>
+                <a:srgbClr val="FFFFFF"/>
+              </a:solidFill>
+              <a:latin typeface="프리젠테이션 8 ExtraBold" pitchFamily="2" charset="-127"/>
+              <a:ea typeface="프리젠테이션 8 ExtraBold" pitchFamily="2" charset="-127"/>
+              <a:cs typeface="Pretendard ExtraBold" panose="02000903000000020004" pitchFamily="2" charset="-127"/>
+            </a:endParaRPr>
+          </a:p>
+          <a:p>
+            <a:pPr algn="ctr" defTabSz="914400">
+              <a:lnSpc>
+                <a:spcPct val="110000"/>
+              </a:lnSpc>
+              <a:defRPr/>
+            </a:pPr>
+            <a:r>
+              <a:rPr lang="ko-KR" altLang="en-US" sz="1600" spc="-20" dirty="0">
+                <a:ln>
+                  <a:solidFill>
+                    <a:srgbClr val="000000">
+                      <a:alpha val="0"/>
+                    </a:srgbClr>
+                  </a:solidFill>
+                </a:ln>
+                <a:solidFill>
+                  <a:srgbClr val="FFFFFF"/>
+                </a:solidFill>
+                <a:latin typeface="프리젠테이션 8 ExtraBold" pitchFamily="2" charset="-127"/>
+                <a:ea typeface="프리젠테이션 8 ExtraBold" pitchFamily="2" charset="-127"/>
+                <a:cs typeface="Pretendard ExtraBold" panose="02000903000000020004" pitchFamily="2" charset="-127"/>
+              </a:rPr>
+              <a:t>입력</a:t>
+            </a:r>
+            <a:endParaRPr lang="ko-KR" altLang="ko-KR" sz="1600" spc="-20" dirty="0">
+              <a:ln>
+                <a:solidFill>
+                  <a:srgbClr val="000000">
+                    <a:alpha val="0"/>
+                  </a:srgbClr>
+                </a:solidFill>
+              </a:ln>
+              <a:solidFill>
+                <a:srgbClr val="FFFFFF"/>
+              </a:solidFill>
+              <a:latin typeface="프리젠테이션 8 ExtraBold" pitchFamily="2" charset="-127"/>
+              <a:ea typeface="프리젠테이션 8 ExtraBold" pitchFamily="2" charset="-127"/>
+              <a:cs typeface="Pretendard ExtraBold" panose="02000903000000020004" pitchFamily="2" charset="-127"/>
+            </a:endParaRPr>
+          </a:p>
+        </p:txBody>
+      </p:sp>
+      <p:sp>
+        <p:nvSpPr>
+          <p:cNvPr id="21" name="모서리가 둥근 직사각형 9">
+            <a:extLst>
+              <a:ext uri="{FF2B5EF4-FFF2-40B4-BE49-F238E27FC236}">
+                <a16:creationId xmlns:a16="http://schemas.microsoft.com/office/drawing/2014/main" id="{6F4CB6F4-13C9-28DE-E4B8-DD613599B083}"/>
+              </a:ext>
+            </a:extLst>
+          </p:cNvPr>
+          <p:cNvSpPr/>
+          <p:nvPr userDrawn="1"/>
+        </p:nvSpPr>
+        <p:spPr>
+          <a:xfrm rot="2700000">
+            <a:off x="8444801" y="4112646"/>
+            <a:ext cx="1282157" cy="1282157"/>
+          </a:xfrm>
+          <a:prstGeom prst="roundRect">
+            <a:avLst>
+              <a:gd name="adj" fmla="val 5253"/>
+            </a:avLst>
+          </a:prstGeom>
+          <a:solidFill>
+            <a:srgbClr val="0049F0"/>
+          </a:solidFill>
+          <a:ln w="12700" cap="flat" cmpd="sng" algn="ctr">
+            <a:solidFill>
+              <a:srgbClr val="FFFFFF"/>
+            </a:solidFill>
+            <a:prstDash val="solid"/>
+            <a:miter lim="800000"/>
+          </a:ln>
+          <a:effectLst/>
+        </p:spPr>
+        <p:txBody>
+          <a:bodyPr rtlCol="0" anchor="ctr"/>
+          <a:lstStyle/>
+          <a:p>
+            <a:pPr marL="0" marR="0" lvl="0" indent="0" algn="ctr" defTabSz="914400" eaLnBrk="1" fontAlgn="auto" latinLnBrk="1" hangingPunct="1">
+              <a:lnSpc>
+                <a:spcPct val="100000"/>
+              </a:lnSpc>
+              <a:spcBef>
+                <a:spcPts val="0"/>
+              </a:spcBef>
+              <a:spcAft>
+                <a:spcPts val="0"/>
+              </a:spcAft>
+              <a:buClrTx/>
+              <a:buSzTx/>
+              <a:buFontTx/>
+              <a:buNone/>
+              <a:tabLst/>
+              <a:defRPr/>
+            </a:pPr>
+            <a:endParaRPr kumimoji="0" lang="ko-KR" altLang="en-US" sz="2000" b="0" i="0" u="none" strike="noStrike" kern="0" cap="none" spc="0" normalizeH="0" baseline="0" noProof="0">
+              <a:ln>
+                <a:noFill/>
+              </a:ln>
+              <a:solidFill>
+                <a:srgbClr val="FFFFFF"/>
+              </a:solidFill>
+              <a:effectLst/>
+              <a:uLnTx/>
+              <a:uFillTx/>
+              <a:latin typeface="프리젠테이션 3 Light" pitchFamily="2" charset="-127"/>
+              <a:ea typeface="프리젠테이션 3 Light"/>
+              <a:cs typeface="+mn-cs"/>
+            </a:endParaRPr>
+          </a:p>
+        </p:txBody>
+      </p:sp>
+      <p:sp>
+        <p:nvSpPr>
+          <p:cNvPr id="22" name="TextBox 21">
+            <a:extLst>
+              <a:ext uri="{FF2B5EF4-FFF2-40B4-BE49-F238E27FC236}">
+                <a16:creationId xmlns:a16="http://schemas.microsoft.com/office/drawing/2014/main" id="{5B18D19D-11D0-458B-76F8-D516560750D9}"/>
+              </a:ext>
+            </a:extLst>
+          </p:cNvPr>
+          <p:cNvSpPr txBox="1"/>
+          <p:nvPr userDrawn="1"/>
+        </p:nvSpPr>
+        <p:spPr>
+          <a:xfrm>
+            <a:off x="8613954" y="4413344"/>
+            <a:ext cx="919032" cy="680764"/>
+          </a:xfrm>
+          <a:prstGeom prst="rect">
+            <a:avLst/>
+          </a:prstGeom>
+          <a:noFill/>
+        </p:spPr>
+        <p:txBody>
+          <a:bodyPr wrap="square" rtlCol="0" anchor="ctr">
+            <a:spAutoFit/>
+          </a:bodyPr>
+          <a:lstStyle/>
+          <a:p>
+            <a:pPr algn="ctr" defTabSz="914400">
+              <a:lnSpc>
+                <a:spcPct val="110000"/>
+              </a:lnSpc>
+              <a:defRPr/>
+            </a:pPr>
+            <a:r>
+              <a:rPr lang="ko-KR" altLang="en-US" spc="-20" dirty="0">
+                <a:ln>
+                  <a:solidFill>
+                    <a:srgbClr val="000000">
+                      <a:alpha val="0"/>
+                    </a:srgbClr>
+                  </a:solidFill>
+                </a:ln>
+                <a:solidFill>
+                  <a:srgbClr val="FFFFFF"/>
+                </a:solidFill>
+                <a:latin typeface="프리젠테이션 8 ExtraBold" pitchFamily="2" charset="-127"/>
+                <a:ea typeface="프리젠테이션 8 ExtraBold" pitchFamily="2" charset="-127"/>
+                <a:cs typeface="Pretendard ExtraBold" panose="02000903000000020004" pitchFamily="2" charset="-127"/>
+              </a:rPr>
+              <a:t>키워드</a:t>
+            </a:r>
+            <a:endParaRPr lang="en-US" altLang="ko-KR" spc="-20" dirty="0">
+              <a:ln>
+                <a:solidFill>
+                  <a:srgbClr val="000000">
+                    <a:alpha val="0"/>
+                  </a:srgbClr>
+                </a:solidFill>
+              </a:ln>
+              <a:solidFill>
+                <a:srgbClr val="FFFFFF"/>
+              </a:solidFill>
+              <a:latin typeface="프리젠테이션 8 ExtraBold" pitchFamily="2" charset="-127"/>
+              <a:ea typeface="프리젠테이션 8 ExtraBold" pitchFamily="2" charset="-127"/>
+              <a:cs typeface="Pretendard ExtraBold" panose="02000903000000020004" pitchFamily="2" charset="-127"/>
+            </a:endParaRPr>
+          </a:p>
+          <a:p>
+            <a:pPr algn="ctr" defTabSz="914400">
+              <a:lnSpc>
+                <a:spcPct val="110000"/>
+              </a:lnSpc>
+              <a:defRPr/>
+            </a:pPr>
+            <a:r>
+              <a:rPr lang="ko-KR" altLang="en-US" spc="-20" dirty="0">
+                <a:ln>
+                  <a:solidFill>
+                    <a:srgbClr val="000000">
+                      <a:alpha val="0"/>
+                    </a:srgbClr>
+                  </a:solidFill>
+                </a:ln>
+                <a:solidFill>
+                  <a:srgbClr val="FFFFFF"/>
+                </a:solidFill>
+                <a:latin typeface="프리젠테이션 8 ExtraBold" pitchFamily="2" charset="-127"/>
+                <a:ea typeface="프리젠테이션 8 ExtraBold" pitchFamily="2" charset="-127"/>
+                <a:cs typeface="Pretendard ExtraBold" panose="02000903000000020004" pitchFamily="2" charset="-127"/>
+              </a:rPr>
+              <a:t>입력</a:t>
+            </a:r>
+            <a:endParaRPr lang="ko-KR" altLang="ko-KR" spc="-20" dirty="0">
+              <a:ln>
+                <a:solidFill>
+                  <a:srgbClr val="000000">
+                    <a:alpha val="0"/>
+                  </a:srgbClr>
+                </a:solidFill>
+              </a:ln>
+              <a:solidFill>
+                <a:srgbClr val="FFFFFF"/>
+              </a:solidFill>
+              <a:latin typeface="프리젠테이션 8 ExtraBold" pitchFamily="2" charset="-127"/>
+              <a:ea typeface="프리젠테이션 8 ExtraBold" pitchFamily="2" charset="-127"/>
+              <a:cs typeface="Pretendard ExtraBold" panose="02000903000000020004" pitchFamily="2" charset="-127"/>
+            </a:endParaRPr>
+          </a:p>
+        </p:txBody>
+      </p:sp>
+      <p:sp>
+        <p:nvSpPr>
+          <p:cNvPr id="23" name="모서리가 둥근 직사각형 15">
+            <a:extLst>
+              <a:ext uri="{FF2B5EF4-FFF2-40B4-BE49-F238E27FC236}">
+                <a16:creationId xmlns:a16="http://schemas.microsoft.com/office/drawing/2014/main" id="{AD69924E-D42D-2C92-D2C7-5AB008EAFF08}"/>
+              </a:ext>
+            </a:extLst>
+          </p:cNvPr>
+          <p:cNvSpPr/>
+          <p:nvPr userDrawn="1"/>
+        </p:nvSpPr>
+        <p:spPr>
+          <a:xfrm rot="2700000">
+            <a:off x="7399701" y="3076119"/>
+            <a:ext cx="1282157" cy="1282157"/>
+          </a:xfrm>
+          <a:prstGeom prst="roundRect">
+            <a:avLst>
+              <a:gd name="adj" fmla="val 6041"/>
+            </a:avLst>
+          </a:prstGeom>
+          <a:solidFill>
+            <a:srgbClr val="0049F0"/>
+          </a:solidFill>
+          <a:ln w="12700" cap="flat" cmpd="sng" algn="ctr">
+            <a:noFill/>
+            <a:prstDash val="solid"/>
+            <a:miter lim="800000"/>
+          </a:ln>
+          <a:effectLst/>
+        </p:spPr>
+        <p:txBody>
+          <a:bodyPr rtlCol="0" anchor="ctr"/>
+          <a:lstStyle/>
+          <a:p>
+            <a:pPr marL="0" marR="0" lvl="0" indent="0" algn="ctr" defTabSz="914400" eaLnBrk="1" fontAlgn="auto" latinLnBrk="1" hangingPunct="1">
+              <a:lnSpc>
+                <a:spcPct val="100000"/>
+              </a:lnSpc>
+              <a:spcBef>
+                <a:spcPts val="0"/>
+              </a:spcBef>
+              <a:spcAft>
+                <a:spcPts val="0"/>
+              </a:spcAft>
+              <a:buClrTx/>
+              <a:buSzTx/>
+              <a:buFontTx/>
+              <a:buNone/>
+              <a:tabLst/>
+              <a:defRPr/>
+            </a:pPr>
+            <a:endParaRPr kumimoji="0" lang="ko-KR" altLang="en-US" sz="2000" b="0" i="0" u="none" strike="noStrike" kern="0" cap="none" spc="0" normalizeH="0" baseline="0" noProof="0">
+              <a:ln>
+                <a:noFill/>
+              </a:ln>
+              <a:solidFill>
+                <a:srgbClr val="FFFFFF"/>
+              </a:solidFill>
+              <a:effectLst/>
+              <a:uLnTx/>
+              <a:uFillTx/>
+              <a:latin typeface="프리젠테이션 3 Light" pitchFamily="2" charset="-127"/>
+              <a:ea typeface="프리젠테이션 3 Light"/>
+              <a:cs typeface="+mn-cs"/>
+            </a:endParaRPr>
+          </a:p>
+        </p:txBody>
+      </p:sp>
+      <p:sp>
+        <p:nvSpPr>
+          <p:cNvPr id="24" name="TextBox 23">
+            <a:extLst>
+              <a:ext uri="{FF2B5EF4-FFF2-40B4-BE49-F238E27FC236}">
+                <a16:creationId xmlns:a16="http://schemas.microsoft.com/office/drawing/2014/main" id="{E6ACC2BE-1235-70D1-F1E4-9FA42B736197}"/>
+              </a:ext>
+            </a:extLst>
+          </p:cNvPr>
+          <p:cNvSpPr txBox="1"/>
+          <p:nvPr userDrawn="1"/>
+        </p:nvSpPr>
+        <p:spPr>
+          <a:xfrm>
+            <a:off x="7581264" y="3376816"/>
+            <a:ext cx="919032" cy="680764"/>
+          </a:xfrm>
+          <a:prstGeom prst="rect">
+            <a:avLst/>
+          </a:prstGeom>
+          <a:noFill/>
+        </p:spPr>
+        <p:txBody>
+          <a:bodyPr wrap="square" rtlCol="0" anchor="ctr">
+            <a:spAutoFit/>
+          </a:bodyPr>
+          <a:lstStyle/>
+          <a:p>
+            <a:pPr algn="ctr" defTabSz="914400">
+              <a:lnSpc>
+                <a:spcPct val="110000"/>
+              </a:lnSpc>
+              <a:defRPr/>
+            </a:pPr>
+            <a:r>
+              <a:rPr lang="ko-KR" altLang="en-US" spc="-20" dirty="0">
+                <a:ln>
+                  <a:solidFill>
+                    <a:srgbClr val="000000">
+                      <a:alpha val="0"/>
+                    </a:srgbClr>
+                  </a:solidFill>
+                </a:ln>
+                <a:solidFill>
+                  <a:srgbClr val="FFFFFF"/>
+                </a:solidFill>
+                <a:latin typeface="프리젠테이션 8 ExtraBold" pitchFamily="2" charset="-127"/>
+                <a:ea typeface="프리젠테이션 8 ExtraBold" pitchFamily="2" charset="-127"/>
+                <a:cs typeface="Pretendard ExtraBold" panose="02000903000000020004" pitchFamily="2" charset="-127"/>
+              </a:rPr>
+              <a:t>키워드</a:t>
+            </a:r>
+            <a:endParaRPr lang="en-US" altLang="ko-KR" spc="-20" dirty="0">
+              <a:ln>
+                <a:solidFill>
+                  <a:srgbClr val="000000">
+                    <a:alpha val="0"/>
+                  </a:srgbClr>
+                </a:solidFill>
+              </a:ln>
+              <a:solidFill>
+                <a:srgbClr val="FFFFFF"/>
+              </a:solidFill>
+              <a:latin typeface="프리젠테이션 8 ExtraBold" pitchFamily="2" charset="-127"/>
+              <a:ea typeface="프리젠테이션 8 ExtraBold" pitchFamily="2" charset="-127"/>
+              <a:cs typeface="Pretendard ExtraBold" panose="02000903000000020004" pitchFamily="2" charset="-127"/>
+            </a:endParaRPr>
+          </a:p>
+          <a:p>
+            <a:pPr algn="ctr" defTabSz="914400">
+              <a:lnSpc>
+                <a:spcPct val="110000"/>
+              </a:lnSpc>
+              <a:defRPr/>
+            </a:pPr>
+            <a:r>
+              <a:rPr lang="ko-KR" altLang="en-US" spc="-20" dirty="0">
+                <a:ln>
+                  <a:solidFill>
+                    <a:srgbClr val="000000">
+                      <a:alpha val="0"/>
+                    </a:srgbClr>
+                  </a:solidFill>
+                </a:ln>
+                <a:solidFill>
+                  <a:srgbClr val="FFFFFF"/>
+                </a:solidFill>
+                <a:latin typeface="프리젠테이션 8 ExtraBold" pitchFamily="2" charset="-127"/>
+                <a:ea typeface="프리젠테이션 8 ExtraBold" pitchFamily="2" charset="-127"/>
+                <a:cs typeface="Pretendard ExtraBold" panose="02000903000000020004" pitchFamily="2" charset="-127"/>
+              </a:rPr>
+              <a:t>입력</a:t>
+            </a:r>
+            <a:endParaRPr lang="ko-KR" altLang="ko-KR" spc="-20" dirty="0">
+              <a:ln>
+                <a:solidFill>
+                  <a:srgbClr val="000000">
+                    <a:alpha val="0"/>
+                  </a:srgbClr>
+                </a:solidFill>
+              </a:ln>
+              <a:solidFill>
+                <a:srgbClr val="FFFFFF"/>
+              </a:solidFill>
+              <a:latin typeface="프리젠테이션 8 ExtraBold" pitchFamily="2" charset="-127"/>
+              <a:ea typeface="프리젠테이션 8 ExtraBold" pitchFamily="2" charset="-127"/>
+              <a:cs typeface="Pretendard ExtraBold" panose="02000903000000020004" pitchFamily="2" charset="-127"/>
+            </a:endParaRPr>
+          </a:p>
+        </p:txBody>
+      </p:sp>
+      <p:sp>
+        <p:nvSpPr>
+          <p:cNvPr id="25" name="모서리가 둥근 직사각형 21">
+            <a:extLst>
+              <a:ext uri="{FF2B5EF4-FFF2-40B4-BE49-F238E27FC236}">
+                <a16:creationId xmlns:a16="http://schemas.microsoft.com/office/drawing/2014/main" id="{4F0A6B65-17A0-353A-B24A-92CBD77632C7}"/>
+              </a:ext>
+            </a:extLst>
+          </p:cNvPr>
+          <p:cNvSpPr/>
+          <p:nvPr userDrawn="1"/>
+        </p:nvSpPr>
+        <p:spPr>
+          <a:xfrm rot="2700000">
+            <a:off x="9476446" y="3089575"/>
+            <a:ext cx="1282157" cy="1282157"/>
+          </a:xfrm>
+          <a:prstGeom prst="roundRect">
+            <a:avLst>
+              <a:gd name="adj" fmla="val 4465"/>
+            </a:avLst>
+          </a:prstGeom>
+          <a:noFill/>
+          <a:ln w="12700" cap="flat" cmpd="sng" algn="ctr">
+            <a:solidFill>
+              <a:srgbClr val="0049F0"/>
+            </a:solidFill>
+            <a:prstDash val="solid"/>
+            <a:miter lim="800000"/>
+          </a:ln>
+          <a:effectLst/>
+        </p:spPr>
+        <p:txBody>
+          <a:bodyPr rtlCol="0" anchor="ctr"/>
+          <a:lstStyle/>
+          <a:p>
+            <a:pPr marL="0" marR="0" lvl="0" indent="0" algn="ctr" defTabSz="914400" eaLnBrk="1" fontAlgn="auto" latinLnBrk="1" hangingPunct="1">
+              <a:lnSpc>
+                <a:spcPct val="100000"/>
+              </a:lnSpc>
+              <a:spcBef>
+                <a:spcPts val="0"/>
+              </a:spcBef>
+              <a:spcAft>
+                <a:spcPts val="0"/>
+              </a:spcAft>
+              <a:buClrTx/>
+              <a:buSzTx/>
+              <a:buFontTx/>
+              <a:buNone/>
+              <a:tabLst/>
+              <a:defRPr/>
+            </a:pPr>
+            <a:endParaRPr kumimoji="0" lang="ko-KR" altLang="en-US" sz="2000" b="1" i="0" u="none" strike="noStrike" kern="0" cap="none" spc="0" normalizeH="0" baseline="0" noProof="0">
+              <a:ln>
+                <a:noFill/>
+              </a:ln>
+              <a:solidFill>
+                <a:srgbClr val="FFFFFF"/>
+              </a:solidFill>
+              <a:effectLst/>
+              <a:uLnTx/>
+              <a:uFillTx/>
+              <a:latin typeface="프리젠테이션 3 Light" pitchFamily="2" charset="-127"/>
+              <a:ea typeface="프리젠테이션 3 Light"/>
+              <a:cs typeface="+mn-cs"/>
+            </a:endParaRPr>
+          </a:p>
+        </p:txBody>
+      </p:sp>
+      <p:grpSp>
+        <p:nvGrpSpPr>
+          <p:cNvPr id="26" name="그래픽 56">
+            <a:extLst>
+              <a:ext uri="{FF2B5EF4-FFF2-40B4-BE49-F238E27FC236}">
+                <a16:creationId xmlns:a16="http://schemas.microsoft.com/office/drawing/2014/main" id="{DB43971F-A8C5-D9C5-7678-D5F05FE59D45}"/>
+              </a:ext>
+            </a:extLst>
+          </p:cNvPr>
+          <p:cNvGrpSpPr/>
+          <p:nvPr userDrawn="1"/>
+        </p:nvGrpSpPr>
+        <p:grpSpPr>
+          <a:xfrm>
+            <a:off x="9870496" y="3471814"/>
+            <a:ext cx="494062" cy="485929"/>
+            <a:chOff x="9316208" y="3575942"/>
+            <a:chExt cx="494062" cy="485929"/>
+          </a:xfrm>
+          <a:solidFill>
+            <a:srgbClr val="0049F0"/>
+          </a:solidFill>
+        </p:grpSpPr>
+        <p:grpSp>
+          <p:nvGrpSpPr>
+            <p:cNvPr id="27" name="그래픽 56">
+              <a:extLst>
+                <a:ext uri="{FF2B5EF4-FFF2-40B4-BE49-F238E27FC236}">
+                  <a16:creationId xmlns:a16="http://schemas.microsoft.com/office/drawing/2014/main" id="{497F6C9A-6136-35C3-AE4D-569E1315BEA8}"/>
+                </a:ext>
+              </a:extLst>
+            </p:cNvPr>
+            <p:cNvGrpSpPr/>
+            <p:nvPr/>
+          </p:nvGrpSpPr>
+          <p:grpSpPr>
+            <a:xfrm>
+              <a:off x="9316208" y="3575942"/>
+              <a:ext cx="494062" cy="485929"/>
+              <a:chOff x="9316208" y="3575942"/>
+              <a:chExt cx="494062" cy="485929"/>
+            </a:xfrm>
+            <a:grpFill/>
+          </p:grpSpPr>
+          <p:sp>
+            <p:nvSpPr>
+              <p:cNvPr id="32" name="자유형: 도형 31">
+                <a:extLst>
+                  <a:ext uri="{FF2B5EF4-FFF2-40B4-BE49-F238E27FC236}">
+                    <a16:creationId xmlns:a16="http://schemas.microsoft.com/office/drawing/2014/main" id="{4F9FA3E9-EFCE-B5EE-3307-A10C191206E3}"/>
+                  </a:ext>
+                </a:extLst>
+              </p:cNvPr>
+              <p:cNvSpPr/>
+              <p:nvPr/>
+            </p:nvSpPr>
+            <p:spPr>
+              <a:xfrm>
+                <a:off x="9486536" y="3575942"/>
+                <a:ext cx="156760" cy="68497"/>
+              </a:xfrm>
+              <a:custGeom>
+                <a:avLst/>
+                <a:gdLst>
+                  <a:gd name="connsiteX0" fmla="*/ 146721 w 156760"/>
+                  <a:gd name="connsiteY0" fmla="*/ 68498 h 68497"/>
+                  <a:gd name="connsiteX1" fmla="*/ 89568 w 156760"/>
+                  <a:gd name="connsiteY1" fmla="*/ 19840 h 68497"/>
+                  <a:gd name="connsiteX2" fmla="*/ 63869 w 156760"/>
+                  <a:gd name="connsiteY2" fmla="*/ 19844 h 68497"/>
+                  <a:gd name="connsiteX3" fmla="*/ 10047 w 156760"/>
+                  <a:gd name="connsiteY3" fmla="*/ 65672 h 68497"/>
+                  <a:gd name="connsiteX4" fmla="*/ 0 w 156760"/>
+                  <a:gd name="connsiteY4" fmla="*/ 53869 h 68497"/>
+                  <a:gd name="connsiteX5" fmla="*/ 53830 w 156760"/>
+                  <a:gd name="connsiteY5" fmla="*/ 8044 h 68497"/>
+                  <a:gd name="connsiteX6" fmla="*/ 99604 w 156760"/>
+                  <a:gd name="connsiteY6" fmla="*/ 8037 h 68497"/>
+                  <a:gd name="connsiteX7" fmla="*/ 156760 w 156760"/>
+                  <a:gd name="connsiteY7" fmla="*/ 56694 h 68497"/>
+                  <a:gd name="connsiteX8" fmla="*/ 146721 w 156760"/>
+                  <a:gd name="connsiteY8" fmla="*/ 68498 h 68497"/>
+                </a:gdLst>
+                <a:ahLst/>
+                <a:cxnLst>
+                  <a:cxn ang="0">
+                    <a:pos x="connsiteX0" y="connsiteY0"/>
+                  </a:cxn>
+                  <a:cxn ang="0">
+                    <a:pos x="connsiteX1" y="connsiteY1"/>
+                  </a:cxn>
+                  <a:cxn ang="0">
+                    <a:pos x="connsiteX2" y="connsiteY2"/>
+                  </a:cxn>
+                  <a:cxn ang="0">
+                    <a:pos x="connsiteX3" y="connsiteY3"/>
+                  </a:cxn>
+                  <a:cxn ang="0">
+                    <a:pos x="connsiteX4" y="connsiteY4"/>
+                  </a:cxn>
+                  <a:cxn ang="0">
+                    <a:pos x="connsiteX5" y="connsiteY5"/>
+                  </a:cxn>
+                  <a:cxn ang="0">
+                    <a:pos x="connsiteX6" y="connsiteY6"/>
+                  </a:cxn>
+                  <a:cxn ang="0">
+                    <a:pos x="connsiteX7" y="connsiteY7"/>
+                  </a:cxn>
+                  <a:cxn ang="0">
+                    <a:pos x="connsiteX8" y="connsiteY8"/>
+                  </a:cxn>
+                </a:cxnLst>
+                <a:rect l="l" t="t" r="r" b="b"/>
+                <a:pathLst>
+                  <a:path w="156760" h="68497">
+                    <a:moveTo>
+                      <a:pt x="146721" y="68498"/>
+                    </a:moveTo>
+                    <a:lnTo>
+                      <a:pt x="89568" y="19840"/>
+                    </a:lnTo>
+                    <a:cubicBezTo>
+                      <a:pt x="82605" y="13927"/>
+                      <a:pt x="70832" y="13927"/>
+                      <a:pt x="63869" y="19844"/>
+                    </a:cubicBezTo>
+                    <a:lnTo>
+                      <a:pt x="10047" y="65672"/>
+                    </a:lnTo>
+                    <a:lnTo>
+                      <a:pt x="0" y="53869"/>
+                    </a:lnTo>
+                    <a:lnTo>
+                      <a:pt x="53830" y="8044"/>
+                    </a:lnTo>
+                    <a:cubicBezTo>
+                      <a:pt x="66440" y="-2678"/>
+                      <a:pt x="86974" y="-2682"/>
+                      <a:pt x="99604" y="8037"/>
+                    </a:cubicBezTo>
+                    <a:lnTo>
+                      <a:pt x="156760" y="56694"/>
+                    </a:lnTo>
+                    <a:lnTo>
+                      <a:pt x="146721" y="68498"/>
+                    </a:lnTo>
+                    <a:close/>
+                  </a:path>
+                </a:pathLst>
+              </a:custGeom>
+              <a:grpFill/>
+              <a:ln w="3795" cap="flat">
+                <a:noFill/>
+                <a:prstDash val="solid"/>
+                <a:miter/>
+              </a:ln>
+            </p:spPr>
+            <p:txBody>
+              <a:bodyPr rtlCol="0" anchor="ctr"/>
+              <a:lstStyle/>
+              <a:p>
+                <a:pPr marL="0" marR="0" lvl="0" indent="0" defTabSz="914400" eaLnBrk="1" fontAlgn="auto" latinLnBrk="1" hangingPunct="1">
+                  <a:lnSpc>
+                    <a:spcPct val="100000"/>
+                  </a:lnSpc>
+                  <a:spcBef>
+                    <a:spcPts val="0"/>
+                  </a:spcBef>
+                  <a:spcAft>
+                    <a:spcPts val="0"/>
+                  </a:spcAft>
+                  <a:buClrTx/>
+                  <a:buSzTx/>
+                  <a:buFontTx/>
+                  <a:buNone/>
+                  <a:tabLst/>
+                  <a:defRPr/>
+                </a:pPr>
+                <a:endParaRPr kumimoji="0" lang="ko-KR" altLang="en-US" sz="1800" b="0" i="0" u="none" strike="noStrike" kern="0" cap="none" spc="0" normalizeH="0" baseline="0" noProof="0">
+                  <a:ln>
+                    <a:noFill/>
+                  </a:ln>
+                  <a:solidFill>
+                    <a:srgbClr val="000000"/>
+                  </a:solidFill>
+                  <a:effectLst/>
+                  <a:uLnTx/>
+                  <a:uFillTx/>
+                  <a:latin typeface="프리젠테이션 3 Light"/>
+                  <a:ea typeface="프리젠테이션 3 Light"/>
+                </a:endParaRPr>
+              </a:p>
+            </p:txBody>
+          </p:sp>
+          <p:sp>
+            <p:nvSpPr>
+              <p:cNvPr id="33" name="자유형: 도형 32">
+                <a:extLst>
+                  <a:ext uri="{FF2B5EF4-FFF2-40B4-BE49-F238E27FC236}">
+                    <a16:creationId xmlns:a16="http://schemas.microsoft.com/office/drawing/2014/main" id="{D043224C-A653-767D-7ADB-532C4CEEEF9C}"/>
+                  </a:ext>
+                </a:extLst>
+              </p:cNvPr>
+              <p:cNvSpPr/>
+              <p:nvPr/>
+            </p:nvSpPr>
+            <p:spPr>
+              <a:xfrm>
+                <a:off x="9316208" y="3729808"/>
+                <a:ext cx="494062" cy="332063"/>
+              </a:xfrm>
+              <a:custGeom>
+                <a:avLst/>
+                <a:gdLst>
+                  <a:gd name="connsiteX0" fmla="*/ 486266 w 494062"/>
+                  <a:gd name="connsiteY0" fmla="*/ 332064 h 332063"/>
+                  <a:gd name="connsiteX1" fmla="*/ 7778 w 494062"/>
+                  <a:gd name="connsiteY1" fmla="*/ 332064 h 332063"/>
+                  <a:gd name="connsiteX2" fmla="*/ 32 w 494062"/>
+                  <a:gd name="connsiteY2" fmla="*/ 324313 h 332063"/>
+                  <a:gd name="connsiteX3" fmla="*/ 32 w 494062"/>
+                  <a:gd name="connsiteY3" fmla="*/ 49294 h 332063"/>
+                  <a:gd name="connsiteX4" fmla="*/ 1070 w 494062"/>
+                  <a:gd name="connsiteY4" fmla="*/ 44670 h 332063"/>
+                  <a:gd name="connsiteX5" fmla="*/ 3617 w 494062"/>
+                  <a:gd name="connsiteY5" fmla="*/ 41949 h 332063"/>
+                  <a:gd name="connsiteX6" fmla="*/ 52120 w 494062"/>
+                  <a:gd name="connsiteY6" fmla="*/ 652 h 332063"/>
+                  <a:gd name="connsiteX7" fmla="*/ 62164 w 494062"/>
+                  <a:gd name="connsiteY7" fmla="*/ 12456 h 332063"/>
+                  <a:gd name="connsiteX8" fmla="*/ 15525 w 494062"/>
+                  <a:gd name="connsiteY8" fmla="*/ 52158 h 332063"/>
+                  <a:gd name="connsiteX9" fmla="*/ 15525 w 494062"/>
+                  <a:gd name="connsiteY9" fmla="*/ 316570 h 332063"/>
+                  <a:gd name="connsiteX10" fmla="*/ 478523 w 494062"/>
+                  <a:gd name="connsiteY10" fmla="*/ 316570 h 332063"/>
+                  <a:gd name="connsiteX11" fmla="*/ 478523 w 494062"/>
+                  <a:gd name="connsiteY11" fmla="*/ 52116 h 332063"/>
+                  <a:gd name="connsiteX12" fmla="*/ 431174 w 494062"/>
+                  <a:gd name="connsiteY12" fmla="*/ 11800 h 332063"/>
+                  <a:gd name="connsiteX13" fmla="*/ 441221 w 494062"/>
+                  <a:gd name="connsiteY13" fmla="*/ 0 h 332063"/>
+                  <a:gd name="connsiteX14" fmla="*/ 490728 w 494062"/>
+                  <a:gd name="connsiteY14" fmla="*/ 42161 h 332063"/>
+                  <a:gd name="connsiteX15" fmla="*/ 493692 w 494062"/>
+                  <a:gd name="connsiteY15" fmla="*/ 46249 h 332063"/>
+                  <a:gd name="connsiteX16" fmla="*/ 494020 w 494062"/>
+                  <a:gd name="connsiteY16" fmla="*/ 49437 h 332063"/>
+                  <a:gd name="connsiteX17" fmla="*/ 494020 w 494062"/>
+                  <a:gd name="connsiteY17" fmla="*/ 324317 h 332063"/>
+                  <a:gd name="connsiteX18" fmla="*/ 486266 w 494062"/>
+                  <a:gd name="connsiteY18" fmla="*/ 332064 h 332063"/>
+                </a:gdLst>
+                <a:ahLst/>
+                <a:cxnLst>
+                  <a:cxn ang="0">
+                    <a:pos x="connsiteX0" y="connsiteY0"/>
+                  </a:cxn>
+                  <a:cxn ang="0">
+                    <a:pos x="connsiteX1" y="connsiteY1"/>
+                  </a:cxn>
+                  <a:cxn ang="0">
+                    <a:pos x="connsiteX2" y="connsiteY2"/>
+                  </a:cxn>
+                  <a:cxn ang="0">
+                    <a:pos x="connsiteX3" y="connsiteY3"/>
+                  </a:cxn>
+                  <a:cxn ang="0">
+                    <a:pos x="connsiteX4" y="connsiteY4"/>
+                  </a:cxn>
+                  <a:cxn ang="0">
+                    <a:pos x="connsiteX5" y="connsiteY5"/>
+                  </a:cxn>
+                  <a:cxn ang="0">
+                    <a:pos x="connsiteX6" y="connsiteY6"/>
+                  </a:cxn>
+                  <a:cxn ang="0">
+                    <a:pos x="connsiteX7" y="connsiteY7"/>
+                  </a:cxn>
+                  <a:cxn ang="0">
+                    <a:pos x="connsiteX8" y="connsiteY8"/>
+                  </a:cxn>
+                  <a:cxn ang="0">
+                    <a:pos x="connsiteX9" y="connsiteY9"/>
+                  </a:cxn>
+                  <a:cxn ang="0">
+                    <a:pos x="connsiteX10" y="connsiteY10"/>
+                  </a:cxn>
+                  <a:cxn ang="0">
+                    <a:pos x="connsiteX11" y="connsiteY11"/>
+                  </a:cxn>
+                  <a:cxn ang="0">
+                    <a:pos x="connsiteX12" y="connsiteY12"/>
+                  </a:cxn>
+                  <a:cxn ang="0">
+                    <a:pos x="connsiteX13" y="connsiteY13"/>
+                  </a:cxn>
+                  <a:cxn ang="0">
+                    <a:pos x="connsiteX14" y="connsiteY14"/>
+                  </a:cxn>
+                  <a:cxn ang="0">
+                    <a:pos x="connsiteX15" y="connsiteY15"/>
+                  </a:cxn>
+                  <a:cxn ang="0">
+                    <a:pos x="connsiteX16" y="connsiteY16"/>
+                  </a:cxn>
+                  <a:cxn ang="0">
+                    <a:pos x="connsiteX17" y="connsiteY17"/>
+                  </a:cxn>
+                  <a:cxn ang="0">
+                    <a:pos x="connsiteX18" y="connsiteY18"/>
+                  </a:cxn>
+                </a:cxnLst>
+                <a:rect l="l" t="t" r="r" b="b"/>
+                <a:pathLst>
+                  <a:path w="494062" h="332063">
+                    <a:moveTo>
+                      <a:pt x="486266" y="332064"/>
+                    </a:moveTo>
+                    <a:lnTo>
+                      <a:pt x="7778" y="332064"/>
+                    </a:lnTo>
+                    <a:cubicBezTo>
+                      <a:pt x="3498" y="332064"/>
+                      <a:pt x="32" y="328594"/>
+                      <a:pt x="32" y="324313"/>
+                    </a:cubicBezTo>
+                    <a:lnTo>
+                      <a:pt x="32" y="49294"/>
+                    </a:lnTo>
+                    <a:cubicBezTo>
+                      <a:pt x="-115" y="47677"/>
+                      <a:pt x="252" y="46056"/>
+                      <a:pt x="1070" y="44670"/>
+                    </a:cubicBezTo>
+                    <a:cubicBezTo>
+                      <a:pt x="1695" y="43574"/>
+                      <a:pt x="2571" y="42640"/>
+                      <a:pt x="3617" y="41949"/>
+                    </a:cubicBezTo>
+                    <a:lnTo>
+                      <a:pt x="52120" y="652"/>
+                    </a:lnTo>
+                    <a:lnTo>
+                      <a:pt x="62164" y="12456"/>
+                    </a:lnTo>
+                    <a:lnTo>
+                      <a:pt x="15525" y="52158"/>
+                    </a:lnTo>
+                    <a:lnTo>
+                      <a:pt x="15525" y="316570"/>
+                    </a:lnTo>
+                    <a:lnTo>
+                      <a:pt x="478523" y="316570"/>
+                    </a:lnTo>
+                    <a:lnTo>
+                      <a:pt x="478523" y="52116"/>
+                    </a:lnTo>
+                    <a:lnTo>
+                      <a:pt x="431174" y="11800"/>
+                    </a:lnTo>
+                    <a:lnTo>
+                      <a:pt x="441221" y="0"/>
+                    </a:lnTo>
+                    <a:lnTo>
+                      <a:pt x="490728" y="42161"/>
+                    </a:lnTo>
+                    <a:cubicBezTo>
+                      <a:pt x="492125" y="43153"/>
+                      <a:pt x="493190" y="44585"/>
+                      <a:pt x="493692" y="46249"/>
+                    </a:cubicBezTo>
+                    <a:cubicBezTo>
+                      <a:pt x="494020" y="47276"/>
+                      <a:pt x="494132" y="48360"/>
+                      <a:pt x="494020" y="49437"/>
+                    </a:cubicBezTo>
+                    <a:lnTo>
+                      <a:pt x="494020" y="324317"/>
+                    </a:lnTo>
+                    <a:cubicBezTo>
+                      <a:pt x="494016" y="328594"/>
+                      <a:pt x="490546" y="332064"/>
+                      <a:pt x="486266" y="332064"/>
+                    </a:cubicBezTo>
+                    <a:close/>
+                  </a:path>
+                </a:pathLst>
+              </a:custGeom>
+              <a:grpFill/>
+              <a:ln w="3795" cap="flat">
+                <a:noFill/>
+                <a:prstDash val="solid"/>
+                <a:miter/>
+              </a:ln>
+            </p:spPr>
+            <p:txBody>
+              <a:bodyPr rtlCol="0" anchor="ctr"/>
+              <a:lstStyle/>
+              <a:p>
+                <a:pPr marL="0" marR="0" lvl="0" indent="0" defTabSz="914400" eaLnBrk="1" fontAlgn="auto" latinLnBrk="1" hangingPunct="1">
+                  <a:lnSpc>
+                    <a:spcPct val="100000"/>
+                  </a:lnSpc>
+                  <a:spcBef>
+                    <a:spcPts val="0"/>
+                  </a:spcBef>
+                  <a:spcAft>
+                    <a:spcPts val="0"/>
+                  </a:spcAft>
+                  <a:buClrTx/>
+                  <a:buSzTx/>
+                  <a:buFontTx/>
+                  <a:buNone/>
+                  <a:tabLst/>
+                  <a:defRPr/>
+                </a:pPr>
+                <a:endParaRPr kumimoji="0" lang="ko-KR" altLang="en-US" sz="1800" b="0" i="0" u="none" strike="noStrike" kern="0" cap="none" spc="0" normalizeH="0" baseline="0" noProof="0">
+                  <a:ln>
+                    <a:noFill/>
+                  </a:ln>
+                  <a:solidFill>
+                    <a:srgbClr val="000000"/>
+                  </a:solidFill>
+                  <a:effectLst/>
+                  <a:uLnTx/>
+                  <a:uFillTx/>
+                  <a:latin typeface="프리젠테이션 3 Light"/>
+                  <a:ea typeface="프리젠테이션 3 Light"/>
+                </a:endParaRPr>
+              </a:p>
+            </p:txBody>
+          </p:sp>
+          <p:sp>
+            <p:nvSpPr>
+              <p:cNvPr id="34" name="자유형: 도형 33">
+                <a:extLst>
+                  <a:ext uri="{FF2B5EF4-FFF2-40B4-BE49-F238E27FC236}">
+                    <a16:creationId xmlns:a16="http://schemas.microsoft.com/office/drawing/2014/main" id="{EE7FBA11-3C18-FE0D-C210-8AF66A7C626C}"/>
+                  </a:ext>
+                </a:extLst>
+              </p:cNvPr>
+              <p:cNvSpPr/>
+              <p:nvPr/>
+            </p:nvSpPr>
+            <p:spPr>
+              <a:xfrm>
+                <a:off x="9365557" y="3630768"/>
+                <a:ext cx="393014" cy="158215"/>
+              </a:xfrm>
+              <a:custGeom>
+                <a:avLst/>
+                <a:gdLst>
+                  <a:gd name="connsiteX0" fmla="*/ 393015 w 393014"/>
+                  <a:gd name="connsiteY0" fmla="*/ 158216 h 158215"/>
+                  <a:gd name="connsiteX1" fmla="*/ 377521 w 393014"/>
+                  <a:gd name="connsiteY1" fmla="*/ 158216 h 158215"/>
+                  <a:gd name="connsiteX2" fmla="*/ 377521 w 393014"/>
+                  <a:gd name="connsiteY2" fmla="*/ 15493 h 158215"/>
+                  <a:gd name="connsiteX3" fmla="*/ 15493 w 393014"/>
+                  <a:gd name="connsiteY3" fmla="*/ 15493 h 158215"/>
+                  <a:gd name="connsiteX4" fmla="*/ 15493 w 393014"/>
+                  <a:gd name="connsiteY4" fmla="*/ 158216 h 158215"/>
+                  <a:gd name="connsiteX5" fmla="*/ 0 w 393014"/>
+                  <a:gd name="connsiteY5" fmla="*/ 158216 h 158215"/>
+                  <a:gd name="connsiteX6" fmla="*/ 0 w 393014"/>
+                  <a:gd name="connsiteY6" fmla="*/ 0 h 158215"/>
+                  <a:gd name="connsiteX7" fmla="*/ 393015 w 393014"/>
+                  <a:gd name="connsiteY7" fmla="*/ 0 h 158215"/>
+                </a:gdLst>
+                <a:ahLst/>
+                <a:cxnLst>
+                  <a:cxn ang="0">
+                    <a:pos x="connsiteX0" y="connsiteY0"/>
+                  </a:cxn>
+                  <a:cxn ang="0">
+                    <a:pos x="connsiteX1" y="connsiteY1"/>
+                  </a:cxn>
+                  <a:cxn ang="0">
+                    <a:pos x="connsiteX2" y="connsiteY2"/>
+                  </a:cxn>
+                  <a:cxn ang="0">
+                    <a:pos x="connsiteX3" y="connsiteY3"/>
+                  </a:cxn>
+                  <a:cxn ang="0">
+                    <a:pos x="connsiteX4" y="connsiteY4"/>
+                  </a:cxn>
+                  <a:cxn ang="0">
+                    <a:pos x="connsiteX5" y="connsiteY5"/>
+                  </a:cxn>
+                  <a:cxn ang="0">
+                    <a:pos x="connsiteX6" y="connsiteY6"/>
+                  </a:cxn>
+                  <a:cxn ang="0">
+                    <a:pos x="connsiteX7" y="connsiteY7"/>
+                  </a:cxn>
+                </a:cxnLst>
+                <a:rect l="l" t="t" r="r" b="b"/>
+                <a:pathLst>
+                  <a:path w="393014" h="158215">
+                    <a:moveTo>
+                      <a:pt x="393015" y="158216"/>
+                    </a:moveTo>
+                    <a:lnTo>
+                      <a:pt x="377521" y="158216"/>
+                    </a:lnTo>
+                    <a:lnTo>
+                      <a:pt x="377521" y="15493"/>
+                    </a:lnTo>
+                    <a:lnTo>
+                      <a:pt x="15493" y="15493"/>
+                    </a:lnTo>
+                    <a:lnTo>
+                      <a:pt x="15493" y="158216"/>
+                    </a:lnTo>
+                    <a:lnTo>
+                      <a:pt x="0" y="158216"/>
+                    </a:lnTo>
+                    <a:lnTo>
+                      <a:pt x="0" y="0"/>
+                    </a:lnTo>
+                    <a:lnTo>
+                      <a:pt x="393015" y="0"/>
+                    </a:lnTo>
+                    <a:close/>
+                  </a:path>
+                </a:pathLst>
+              </a:custGeom>
+              <a:grpFill/>
+              <a:ln w="3795" cap="flat">
+                <a:noFill/>
+                <a:prstDash val="solid"/>
+                <a:miter/>
+              </a:ln>
+            </p:spPr>
+            <p:txBody>
+              <a:bodyPr rtlCol="0" anchor="ctr"/>
+              <a:lstStyle/>
+              <a:p>
+                <a:pPr marL="0" marR="0" lvl="0" indent="0" defTabSz="914400" eaLnBrk="1" fontAlgn="auto" latinLnBrk="1" hangingPunct="1">
+                  <a:lnSpc>
+                    <a:spcPct val="100000"/>
+                  </a:lnSpc>
+                  <a:spcBef>
+                    <a:spcPts val="0"/>
+                  </a:spcBef>
+                  <a:spcAft>
+                    <a:spcPts val="0"/>
+                  </a:spcAft>
+                  <a:buClrTx/>
+                  <a:buSzTx/>
+                  <a:buFontTx/>
+                  <a:buNone/>
+                  <a:tabLst/>
+                  <a:defRPr/>
+                </a:pPr>
+                <a:endParaRPr kumimoji="0" lang="ko-KR" altLang="en-US" sz="1800" b="0" i="0" u="none" strike="noStrike" kern="0" cap="none" spc="0" normalizeH="0" baseline="0" noProof="0">
+                  <a:ln>
+                    <a:noFill/>
+                  </a:ln>
+                  <a:solidFill>
+                    <a:srgbClr val="000000"/>
+                  </a:solidFill>
+                  <a:effectLst/>
+                  <a:uLnTx/>
+                  <a:uFillTx/>
+                  <a:latin typeface="프리젠테이션 3 Light"/>
+                  <a:ea typeface="프리젠테이션 3 Light"/>
+                </a:endParaRPr>
+              </a:p>
+            </p:txBody>
+          </p:sp>
+          <p:grpSp>
+            <p:nvGrpSpPr>
+              <p:cNvPr id="35" name="그래픽 56">
+                <a:extLst>
+                  <a:ext uri="{FF2B5EF4-FFF2-40B4-BE49-F238E27FC236}">
+                    <a16:creationId xmlns:a16="http://schemas.microsoft.com/office/drawing/2014/main" id="{B0FA6E17-4A53-A8B9-F5EF-008A27DC701B}"/>
+                  </a:ext>
+                </a:extLst>
+              </p:cNvPr>
+              <p:cNvGrpSpPr/>
+              <p:nvPr/>
+            </p:nvGrpSpPr>
+            <p:grpSpPr>
+              <a:xfrm>
+                <a:off x="9318463" y="3782218"/>
+                <a:ext cx="490186" cy="277940"/>
+                <a:chOff x="9318463" y="3782218"/>
+                <a:chExt cx="490186" cy="277940"/>
+              </a:xfrm>
+              <a:grpFill/>
+            </p:grpSpPr>
+            <p:sp>
+              <p:nvSpPr>
+                <p:cNvPr id="36" name="자유형: 도형 35">
+                  <a:extLst>
+                    <a:ext uri="{FF2B5EF4-FFF2-40B4-BE49-F238E27FC236}">
+                      <a16:creationId xmlns:a16="http://schemas.microsoft.com/office/drawing/2014/main" id="{974C122B-629A-CEA3-1952-32EB28A25A1B}"/>
+                    </a:ext>
+                  </a:extLst>
+                </p:cNvPr>
+                <p:cNvSpPr/>
+                <p:nvPr/>
+              </p:nvSpPr>
+              <p:spPr>
+                <a:xfrm>
+                  <a:off x="9318463" y="3782218"/>
+                  <a:ext cx="490186" cy="147546"/>
+                </a:xfrm>
+                <a:custGeom>
+                  <a:avLst/>
+                  <a:gdLst>
+                    <a:gd name="connsiteX0" fmla="*/ 321302 w 490186"/>
+                    <a:gd name="connsiteY0" fmla="*/ 147547 h 147546"/>
+                    <a:gd name="connsiteX1" fmla="*/ 168267 w 490186"/>
+                    <a:gd name="connsiteY1" fmla="*/ 147547 h 147546"/>
+                    <a:gd name="connsiteX2" fmla="*/ 163357 w 490186"/>
+                    <a:gd name="connsiteY2" fmla="*/ 145791 h 147546"/>
+                    <a:gd name="connsiteX3" fmla="*/ 0 w 490186"/>
+                    <a:gd name="connsiteY3" fmla="*/ 11996 h 147546"/>
+                    <a:gd name="connsiteX4" fmla="*/ 9816 w 490186"/>
+                    <a:gd name="connsiteY4" fmla="*/ 12 h 147546"/>
+                    <a:gd name="connsiteX5" fmla="*/ 171030 w 490186"/>
+                    <a:gd name="connsiteY5" fmla="*/ 132054 h 147546"/>
+                    <a:gd name="connsiteX6" fmla="*/ 318546 w 490186"/>
+                    <a:gd name="connsiteY6" fmla="*/ 132054 h 147546"/>
+                    <a:gd name="connsiteX7" fmla="*/ 480390 w 490186"/>
+                    <a:gd name="connsiteY7" fmla="*/ 0 h 147546"/>
+                    <a:gd name="connsiteX8" fmla="*/ 490187 w 490186"/>
+                    <a:gd name="connsiteY8" fmla="*/ 12008 h 147546"/>
+                    <a:gd name="connsiteX9" fmla="*/ 326204 w 490186"/>
+                    <a:gd name="connsiteY9" fmla="*/ 145802 h 147546"/>
+                    <a:gd name="connsiteX10" fmla="*/ 321302 w 490186"/>
+                    <a:gd name="connsiteY10" fmla="*/ 147547 h 147546"/>
+                  </a:gdLst>
+                  <a:ahLst/>
+                  <a:cxnLst>
+                    <a:cxn ang="0">
+                      <a:pos x="connsiteX0" y="connsiteY0"/>
+                    </a:cxn>
+                    <a:cxn ang="0">
+                      <a:pos x="connsiteX1" y="connsiteY1"/>
+                    </a:cxn>
+                    <a:cxn ang="0">
+                      <a:pos x="connsiteX2" y="connsiteY2"/>
+                    </a:cxn>
+                    <a:cxn ang="0">
+                      <a:pos x="connsiteX3" y="connsiteY3"/>
+                    </a:cxn>
+                    <a:cxn ang="0">
+                      <a:pos x="connsiteX4" y="connsiteY4"/>
+                    </a:cxn>
+                    <a:cxn ang="0">
+                      <a:pos x="connsiteX5" y="connsiteY5"/>
+                    </a:cxn>
+                    <a:cxn ang="0">
+                      <a:pos x="connsiteX6" y="connsiteY6"/>
+                    </a:cxn>
+                    <a:cxn ang="0">
+                      <a:pos x="connsiteX7" y="connsiteY7"/>
+                    </a:cxn>
+                    <a:cxn ang="0">
+                      <a:pos x="connsiteX8" y="connsiteY8"/>
+                    </a:cxn>
+                    <a:cxn ang="0">
+                      <a:pos x="connsiteX9" y="connsiteY9"/>
+                    </a:cxn>
+                    <a:cxn ang="0">
+                      <a:pos x="connsiteX10" y="connsiteY10"/>
+                    </a:cxn>
+                  </a:cxnLst>
+                  <a:rect l="l" t="t" r="r" b="b"/>
+                  <a:pathLst>
+                    <a:path w="490186" h="147546">
+                      <a:moveTo>
+                        <a:pt x="321302" y="147547"/>
+                      </a:moveTo>
+                      <a:lnTo>
+                        <a:pt x="168267" y="147547"/>
+                      </a:lnTo>
+                      <a:cubicBezTo>
+                        <a:pt x="166476" y="147547"/>
+                        <a:pt x="164743" y="146926"/>
+                        <a:pt x="163357" y="145791"/>
+                      </a:cubicBezTo>
+                      <a:lnTo>
+                        <a:pt x="0" y="11996"/>
+                      </a:lnTo>
+                      <a:lnTo>
+                        <a:pt x="9816" y="12"/>
+                      </a:lnTo>
+                      <a:lnTo>
+                        <a:pt x="171030" y="132054"/>
+                      </a:lnTo>
+                      <a:lnTo>
+                        <a:pt x="318546" y="132054"/>
+                      </a:lnTo>
+                      <a:lnTo>
+                        <a:pt x="480390" y="0"/>
+                      </a:lnTo>
+                      <a:lnTo>
+                        <a:pt x="490187" y="12008"/>
+                      </a:lnTo>
+                      <a:lnTo>
+                        <a:pt x="326204" y="145802"/>
+                      </a:lnTo>
+                      <a:cubicBezTo>
+                        <a:pt x="324819" y="146929"/>
+                        <a:pt x="323090" y="147547"/>
+                        <a:pt x="321302" y="147547"/>
+                      </a:cubicBezTo>
+                      <a:close/>
+                    </a:path>
+                  </a:pathLst>
+                </a:custGeom>
+                <a:grpFill/>
+                <a:ln w="3795" cap="flat">
+                  <a:noFill/>
+                  <a:prstDash val="solid"/>
+                  <a:miter/>
+                </a:ln>
+              </p:spPr>
+              <p:txBody>
+                <a:bodyPr rtlCol="0" anchor="ctr"/>
+                <a:lstStyle/>
+                <a:p>
+                  <a:pPr marL="0" marR="0" lvl="0" indent="0" defTabSz="914400" eaLnBrk="1" fontAlgn="auto" latinLnBrk="1" hangingPunct="1">
+                    <a:lnSpc>
+                      <a:spcPct val="100000"/>
+                    </a:lnSpc>
+                    <a:spcBef>
+                      <a:spcPts val="0"/>
+                    </a:spcBef>
+                    <a:spcAft>
+                      <a:spcPts val="0"/>
+                    </a:spcAft>
+                    <a:buClrTx/>
+                    <a:buSzTx/>
+                    <a:buFontTx/>
+                    <a:buNone/>
+                    <a:tabLst/>
+                    <a:defRPr/>
+                  </a:pPr>
+                  <a:endParaRPr kumimoji="0" lang="ko-KR" altLang="en-US" sz="1800" b="0" i="0" u="none" strike="noStrike" kern="0" cap="none" spc="0" normalizeH="0" baseline="0" noProof="0">
+                    <a:ln>
+                      <a:noFill/>
+                    </a:ln>
+                    <a:solidFill>
+                      <a:srgbClr val="000000"/>
+                    </a:solidFill>
+                    <a:effectLst/>
+                    <a:uLnTx/>
+                    <a:uFillTx/>
+                    <a:latin typeface="프리젠테이션 3 Light"/>
+                    <a:ea typeface="프리젠테이션 3 Light"/>
+                  </a:endParaRPr>
+                </a:p>
+              </p:txBody>
+            </p:sp>
+            <p:grpSp>
+              <p:nvGrpSpPr>
+                <p:cNvPr id="37" name="그래픽 56">
+                  <a:extLst>
+                    <a:ext uri="{FF2B5EF4-FFF2-40B4-BE49-F238E27FC236}">
+                      <a16:creationId xmlns:a16="http://schemas.microsoft.com/office/drawing/2014/main" id="{17B7CD2A-4211-C948-6020-9B10138DB844}"/>
+                    </a:ext>
+                  </a:extLst>
+                </p:cNvPr>
+                <p:cNvGrpSpPr/>
+                <p:nvPr/>
+              </p:nvGrpSpPr>
+              <p:grpSpPr>
+                <a:xfrm>
+                  <a:off x="9333153" y="3915931"/>
+                  <a:ext cx="464279" cy="144227"/>
+                  <a:chOff x="9333153" y="3915931"/>
+                  <a:chExt cx="464279" cy="144227"/>
+                </a:xfrm>
+                <a:grpFill/>
+              </p:grpSpPr>
+              <p:sp>
+                <p:nvSpPr>
+                  <p:cNvPr id="38" name="자유형: 도형 37">
+                    <a:extLst>
+                      <a:ext uri="{FF2B5EF4-FFF2-40B4-BE49-F238E27FC236}">
+                        <a16:creationId xmlns:a16="http://schemas.microsoft.com/office/drawing/2014/main" id="{8FBDC87A-ECA8-12F2-F06C-5654B23876EC}"/>
+                      </a:ext>
+                    </a:extLst>
+                  </p:cNvPr>
+                  <p:cNvSpPr/>
+                  <p:nvPr/>
+                </p:nvSpPr>
+                <p:spPr>
+                  <a:xfrm>
+                    <a:off x="9333153" y="3915931"/>
+                    <a:ext cx="160361" cy="140371"/>
+                  </a:xfrm>
+                  <a:custGeom>
+                    <a:avLst/>
+                    <a:gdLst>
+                      <a:gd name="connsiteX0" fmla="*/ 10043 w 160361"/>
+                      <a:gd name="connsiteY0" fmla="*/ 140372 h 140371"/>
+                      <a:gd name="connsiteX1" fmla="*/ 0 w 160361"/>
+                      <a:gd name="connsiteY1" fmla="*/ 128568 h 140371"/>
+                      <a:gd name="connsiteX2" fmla="*/ 53239 w 160361"/>
+                      <a:gd name="connsiteY2" fmla="*/ 83292 h 140371"/>
+                      <a:gd name="connsiteX3" fmla="*/ 93382 w 160361"/>
+                      <a:gd name="connsiteY3" fmla="*/ 48827 h 140371"/>
+                      <a:gd name="connsiteX4" fmla="*/ 110477 w 160361"/>
+                      <a:gd name="connsiteY4" fmla="*/ 34144 h 140371"/>
+                      <a:gd name="connsiteX5" fmla="*/ 150272 w 160361"/>
+                      <a:gd name="connsiteY5" fmla="*/ 0 h 140371"/>
+                      <a:gd name="connsiteX6" fmla="*/ 160362 w 160361"/>
+                      <a:gd name="connsiteY6" fmla="*/ 11761 h 140371"/>
+                      <a:gd name="connsiteX7" fmla="*/ 120570 w 160361"/>
+                      <a:gd name="connsiteY7" fmla="*/ 45901 h 140371"/>
+                      <a:gd name="connsiteX8" fmla="*/ 103464 w 160361"/>
+                      <a:gd name="connsiteY8" fmla="*/ 60588 h 140371"/>
+                      <a:gd name="connsiteX9" fmla="*/ 63302 w 160361"/>
+                      <a:gd name="connsiteY9" fmla="*/ 95072 h 140371"/>
+                      <a:gd name="connsiteX10" fmla="*/ 10043 w 160361"/>
+                      <a:gd name="connsiteY10" fmla="*/ 140372 h 140371"/>
+                    </a:gdLst>
+                    <a:ahLst/>
+                    <a:cxnLst>
+                      <a:cxn ang="0">
+                        <a:pos x="connsiteX0" y="connsiteY0"/>
+                      </a:cxn>
+                      <a:cxn ang="0">
+                        <a:pos x="connsiteX1" y="connsiteY1"/>
+                      </a:cxn>
+                      <a:cxn ang="0">
+                        <a:pos x="connsiteX2" y="connsiteY2"/>
+                      </a:cxn>
+                      <a:cxn ang="0">
+                        <a:pos x="connsiteX3" y="connsiteY3"/>
+                      </a:cxn>
+                      <a:cxn ang="0">
+                        <a:pos x="connsiteX4" y="connsiteY4"/>
+                      </a:cxn>
+                      <a:cxn ang="0">
+                        <a:pos x="connsiteX5" y="connsiteY5"/>
+                      </a:cxn>
+                      <a:cxn ang="0">
+                        <a:pos x="connsiteX6" y="connsiteY6"/>
+                      </a:cxn>
+                      <a:cxn ang="0">
+                        <a:pos x="connsiteX7" y="connsiteY7"/>
+                      </a:cxn>
+                      <a:cxn ang="0">
+                        <a:pos x="connsiteX8" y="connsiteY8"/>
+                      </a:cxn>
+                      <a:cxn ang="0">
+                        <a:pos x="connsiteX9" y="connsiteY9"/>
+                      </a:cxn>
+                      <a:cxn ang="0">
+                        <a:pos x="connsiteX10" y="connsiteY10"/>
+                      </a:cxn>
+                    </a:cxnLst>
+                    <a:rect l="l" t="t" r="r" b="b"/>
+                    <a:pathLst>
+                      <a:path w="160361" h="140371">
+                        <a:moveTo>
+                          <a:pt x="10043" y="140372"/>
+                        </a:moveTo>
+                        <a:lnTo>
+                          <a:pt x="0" y="128568"/>
+                        </a:lnTo>
+                        <a:lnTo>
+                          <a:pt x="53239" y="83292"/>
+                        </a:lnTo>
+                        <a:lnTo>
+                          <a:pt x="93382" y="48827"/>
+                        </a:lnTo>
+                        <a:cubicBezTo>
+                          <a:pt x="98102" y="44782"/>
+                          <a:pt x="104286" y="39467"/>
+                          <a:pt x="110477" y="34144"/>
+                        </a:cubicBezTo>
+                        <a:lnTo>
+                          <a:pt x="150272" y="0"/>
+                        </a:lnTo>
+                        <a:lnTo>
+                          <a:pt x="160362" y="11761"/>
+                        </a:lnTo>
+                        <a:lnTo>
+                          <a:pt x="120570" y="45901"/>
+                        </a:lnTo>
+                        <a:cubicBezTo>
+                          <a:pt x="114379" y="51228"/>
+                          <a:pt x="108188" y="56547"/>
+                          <a:pt x="103464" y="60588"/>
+                        </a:cubicBezTo>
+                        <a:lnTo>
+                          <a:pt x="63302" y="95072"/>
+                        </a:lnTo>
+                        <a:lnTo>
+                          <a:pt x="10043" y="140372"/>
+                        </a:lnTo>
+                        <a:close/>
+                      </a:path>
+                    </a:pathLst>
+                  </a:custGeom>
+                  <a:grpFill/>
+                  <a:ln w="3795" cap="flat">
+                    <a:noFill/>
+                    <a:prstDash val="solid"/>
+                    <a:miter/>
+                  </a:ln>
+                </p:spPr>
+                <p:txBody>
+                  <a:bodyPr rtlCol="0" anchor="ctr"/>
+                  <a:lstStyle/>
+                  <a:p>
+                    <a:pPr marL="0" marR="0" lvl="0" indent="0" defTabSz="914400" eaLnBrk="1" fontAlgn="auto" latinLnBrk="1" hangingPunct="1">
+                      <a:lnSpc>
+                        <a:spcPct val="100000"/>
+                      </a:lnSpc>
+                      <a:spcBef>
+                        <a:spcPts val="0"/>
+                      </a:spcBef>
+                      <a:spcAft>
+                        <a:spcPts val="0"/>
+                      </a:spcAft>
+                      <a:buClrTx/>
+                      <a:buSzTx/>
+                      <a:buFontTx/>
+                      <a:buNone/>
+                      <a:tabLst/>
+                      <a:defRPr/>
+                    </a:pPr>
+                    <a:endParaRPr kumimoji="0" lang="ko-KR" altLang="en-US" sz="1800" b="0" i="0" u="none" strike="noStrike" kern="0" cap="none" spc="0" normalizeH="0" baseline="0" noProof="0">
+                      <a:ln>
+                        <a:noFill/>
+                      </a:ln>
+                      <a:solidFill>
+                        <a:srgbClr val="000000"/>
+                      </a:solidFill>
+                      <a:effectLst/>
+                      <a:uLnTx/>
+                      <a:uFillTx/>
+                      <a:latin typeface="프리젠테이션 3 Light"/>
+                      <a:ea typeface="프리젠테이션 3 Light"/>
+                    </a:endParaRPr>
+                  </a:p>
+                </p:txBody>
+              </p:sp>
+              <p:sp>
+                <p:nvSpPr>
+                  <p:cNvPr id="39" name="자유형: 도형 38">
+                    <a:extLst>
+                      <a:ext uri="{FF2B5EF4-FFF2-40B4-BE49-F238E27FC236}">
+                        <a16:creationId xmlns:a16="http://schemas.microsoft.com/office/drawing/2014/main" id="{8C7E6AF0-B533-9E24-02CD-9F0B3B74F4FB}"/>
+                      </a:ext>
+                    </a:extLst>
+                  </p:cNvPr>
+                  <p:cNvSpPr/>
+                  <p:nvPr/>
+                </p:nvSpPr>
+                <p:spPr>
+                  <a:xfrm>
+                    <a:off x="9632991" y="3915935"/>
+                    <a:ext cx="164441" cy="144223"/>
+                  </a:xfrm>
+                  <a:custGeom>
+                    <a:avLst/>
+                    <a:gdLst>
+                      <a:gd name="connsiteX0" fmla="*/ 154348 w 164441"/>
+                      <a:gd name="connsiteY0" fmla="*/ 144224 h 144223"/>
+                      <a:gd name="connsiteX1" fmla="*/ 56887 w 164441"/>
+                      <a:gd name="connsiteY1" fmla="*/ 60580 h 144223"/>
+                      <a:gd name="connsiteX2" fmla="*/ 39780 w 164441"/>
+                      <a:gd name="connsiteY2" fmla="*/ 45898 h 144223"/>
+                      <a:gd name="connsiteX3" fmla="*/ 0 w 164441"/>
+                      <a:gd name="connsiteY3" fmla="*/ 11761 h 144223"/>
+                      <a:gd name="connsiteX4" fmla="*/ 10090 w 164441"/>
+                      <a:gd name="connsiteY4" fmla="*/ 0 h 144223"/>
+                      <a:gd name="connsiteX5" fmla="*/ 49877 w 164441"/>
+                      <a:gd name="connsiteY5" fmla="*/ 34140 h 144223"/>
+                      <a:gd name="connsiteX6" fmla="*/ 66969 w 164441"/>
+                      <a:gd name="connsiteY6" fmla="*/ 48816 h 144223"/>
+                      <a:gd name="connsiteX7" fmla="*/ 164442 w 164441"/>
+                      <a:gd name="connsiteY7" fmla="*/ 132467 h 144223"/>
+                      <a:gd name="connsiteX8" fmla="*/ 154348 w 164441"/>
+                      <a:gd name="connsiteY8" fmla="*/ 144224 h 144223"/>
+                    </a:gdLst>
+                    <a:ahLst/>
+                    <a:cxnLst>
+                      <a:cxn ang="0">
+                        <a:pos x="connsiteX0" y="connsiteY0"/>
+                      </a:cxn>
+                      <a:cxn ang="0">
+                        <a:pos x="connsiteX1" y="connsiteY1"/>
+                      </a:cxn>
+                      <a:cxn ang="0">
+                        <a:pos x="connsiteX2" y="connsiteY2"/>
+                      </a:cxn>
+                      <a:cxn ang="0">
+                        <a:pos x="connsiteX3" y="connsiteY3"/>
+                      </a:cxn>
+                      <a:cxn ang="0">
+                        <a:pos x="connsiteX4" y="connsiteY4"/>
+                      </a:cxn>
+                      <a:cxn ang="0">
+                        <a:pos x="connsiteX5" y="connsiteY5"/>
+                      </a:cxn>
+                      <a:cxn ang="0">
+                        <a:pos x="connsiteX6" y="connsiteY6"/>
+                      </a:cxn>
+                      <a:cxn ang="0">
+                        <a:pos x="connsiteX7" y="connsiteY7"/>
+                      </a:cxn>
+                      <a:cxn ang="0">
+                        <a:pos x="connsiteX8" y="connsiteY8"/>
+                      </a:cxn>
+                    </a:cxnLst>
+                    <a:rect l="l" t="t" r="r" b="b"/>
+                    <a:pathLst>
+                      <a:path w="164441" h="144223">
+                        <a:moveTo>
+                          <a:pt x="154348" y="144224"/>
+                        </a:moveTo>
+                        <a:lnTo>
+                          <a:pt x="56887" y="60580"/>
+                        </a:lnTo>
+                        <a:cubicBezTo>
+                          <a:pt x="52174" y="56551"/>
+                          <a:pt x="45979" y="51228"/>
+                          <a:pt x="39780" y="45898"/>
+                        </a:cubicBezTo>
+                        <a:lnTo>
+                          <a:pt x="0" y="11761"/>
+                        </a:lnTo>
+                        <a:lnTo>
+                          <a:pt x="10090" y="0"/>
+                        </a:lnTo>
+                        <a:lnTo>
+                          <a:pt x="49877" y="34140"/>
+                        </a:lnTo>
+                        <a:cubicBezTo>
+                          <a:pt x="56068" y="39467"/>
+                          <a:pt x="62260" y="44786"/>
+                          <a:pt x="66969" y="48816"/>
+                        </a:cubicBezTo>
+                        <a:lnTo>
+                          <a:pt x="164442" y="132467"/>
+                        </a:lnTo>
+                        <a:lnTo>
+                          <a:pt x="154348" y="144224"/>
+                        </a:lnTo>
+                        <a:close/>
+                      </a:path>
+                    </a:pathLst>
+                  </a:custGeom>
+                  <a:grpFill/>
+                  <a:ln w="3795" cap="flat">
+                    <a:noFill/>
+                    <a:prstDash val="solid"/>
+                    <a:miter/>
+                  </a:ln>
+                </p:spPr>
+                <p:txBody>
+                  <a:bodyPr rtlCol="0" anchor="ctr"/>
+                  <a:lstStyle/>
+                  <a:p>
+                    <a:pPr marL="0" marR="0" lvl="0" indent="0" defTabSz="914400" eaLnBrk="1" fontAlgn="auto" latinLnBrk="1" hangingPunct="1">
+                      <a:lnSpc>
+                        <a:spcPct val="100000"/>
+                      </a:lnSpc>
+                      <a:spcBef>
+                        <a:spcPts val="0"/>
+                      </a:spcBef>
+                      <a:spcAft>
+                        <a:spcPts val="0"/>
+                      </a:spcAft>
+                      <a:buClrTx/>
+                      <a:buSzTx/>
+                      <a:buFontTx/>
+                      <a:buNone/>
+                      <a:tabLst/>
+                      <a:defRPr/>
+                    </a:pPr>
+                    <a:endParaRPr kumimoji="0" lang="ko-KR" altLang="en-US" sz="1800" b="0" i="0" u="none" strike="noStrike" kern="0" cap="none" spc="0" normalizeH="0" baseline="0" noProof="0">
+                      <a:ln>
+                        <a:noFill/>
+                      </a:ln>
+                      <a:solidFill>
+                        <a:srgbClr val="000000"/>
+                      </a:solidFill>
+                      <a:effectLst/>
+                      <a:uLnTx/>
+                      <a:uFillTx/>
+                      <a:latin typeface="프리젠테이션 3 Light"/>
+                      <a:ea typeface="프리젠테이션 3 Light"/>
+                    </a:endParaRPr>
+                  </a:p>
+                </p:txBody>
+              </p:sp>
+            </p:grpSp>
+          </p:grpSp>
+        </p:grpSp>
+        <p:grpSp>
+          <p:nvGrpSpPr>
+            <p:cNvPr id="28" name="그래픽 56">
+              <a:extLst>
+                <a:ext uri="{FF2B5EF4-FFF2-40B4-BE49-F238E27FC236}">
+                  <a16:creationId xmlns:a16="http://schemas.microsoft.com/office/drawing/2014/main" id="{FA9DA534-D2DE-BA58-2CA1-CC547476ECDC}"/>
+                </a:ext>
+              </a:extLst>
+            </p:cNvPr>
+            <p:cNvGrpSpPr/>
+            <p:nvPr/>
+          </p:nvGrpSpPr>
+          <p:grpSpPr>
+            <a:xfrm>
+              <a:off x="9474644" y="3687647"/>
+              <a:ext cx="178926" cy="182876"/>
+              <a:chOff x="9474644" y="3687647"/>
+              <a:chExt cx="178926" cy="182876"/>
+            </a:xfrm>
+            <a:grpFill/>
+          </p:grpSpPr>
+          <p:sp>
+            <p:nvSpPr>
+              <p:cNvPr id="29" name="자유형: 도형 28">
+                <a:extLst>
+                  <a:ext uri="{FF2B5EF4-FFF2-40B4-BE49-F238E27FC236}">
+                    <a16:creationId xmlns:a16="http://schemas.microsoft.com/office/drawing/2014/main" id="{1F4C5904-00AF-C8E3-F5E1-FCFE07ECC939}"/>
+                  </a:ext>
+                </a:extLst>
+              </p:cNvPr>
+              <p:cNvSpPr/>
+              <p:nvPr/>
+            </p:nvSpPr>
+            <p:spPr>
+              <a:xfrm>
+                <a:off x="9474644" y="3687647"/>
+                <a:ext cx="162449" cy="182876"/>
+              </a:xfrm>
+              <a:custGeom>
+                <a:avLst/>
+                <a:gdLst>
+                  <a:gd name="connsiteX0" fmla="*/ 91594 w 162449"/>
+                  <a:gd name="connsiteY0" fmla="*/ 182876 h 182876"/>
+                  <a:gd name="connsiteX1" fmla="*/ 0 w 162449"/>
+                  <a:gd name="connsiteY1" fmla="*/ 91436 h 182876"/>
+                  <a:gd name="connsiteX2" fmla="*/ 91594 w 162449"/>
+                  <a:gd name="connsiteY2" fmla="*/ 0 h 182876"/>
+                  <a:gd name="connsiteX3" fmla="*/ 162450 w 162449"/>
+                  <a:gd name="connsiteY3" fmla="*/ 33504 h 182876"/>
+                  <a:gd name="connsiteX4" fmla="*/ 150469 w 162449"/>
+                  <a:gd name="connsiteY4" fmla="*/ 43339 h 182876"/>
+                  <a:gd name="connsiteX5" fmla="*/ 91591 w 162449"/>
+                  <a:gd name="connsiteY5" fmla="*/ 15497 h 182876"/>
+                  <a:gd name="connsiteX6" fmla="*/ 15490 w 162449"/>
+                  <a:gd name="connsiteY6" fmla="*/ 91440 h 182876"/>
+                  <a:gd name="connsiteX7" fmla="*/ 91591 w 162449"/>
+                  <a:gd name="connsiteY7" fmla="*/ 167387 h 182876"/>
+                  <a:gd name="connsiteX8" fmla="*/ 137461 w 162449"/>
+                  <a:gd name="connsiteY8" fmla="*/ 152040 h 182876"/>
+                  <a:gd name="connsiteX9" fmla="*/ 146790 w 162449"/>
+                  <a:gd name="connsiteY9" fmla="*/ 164411 h 182876"/>
+                  <a:gd name="connsiteX10" fmla="*/ 91594 w 162449"/>
+                  <a:gd name="connsiteY10" fmla="*/ 182876 h 182876"/>
+                </a:gdLst>
+                <a:ahLst/>
+                <a:cxnLst>
+                  <a:cxn ang="0">
+                    <a:pos x="connsiteX0" y="connsiteY0"/>
+                  </a:cxn>
+                  <a:cxn ang="0">
+                    <a:pos x="connsiteX1" y="connsiteY1"/>
+                  </a:cxn>
+                  <a:cxn ang="0">
+                    <a:pos x="connsiteX2" y="connsiteY2"/>
+                  </a:cxn>
+                  <a:cxn ang="0">
+                    <a:pos x="connsiteX3" y="connsiteY3"/>
+                  </a:cxn>
+                  <a:cxn ang="0">
+                    <a:pos x="connsiteX4" y="connsiteY4"/>
+                  </a:cxn>
+                  <a:cxn ang="0">
+                    <a:pos x="connsiteX5" y="connsiteY5"/>
+                  </a:cxn>
+                  <a:cxn ang="0">
+                    <a:pos x="connsiteX6" y="connsiteY6"/>
+                  </a:cxn>
+                  <a:cxn ang="0">
+                    <a:pos x="connsiteX7" y="connsiteY7"/>
+                  </a:cxn>
+                  <a:cxn ang="0">
+                    <a:pos x="connsiteX8" y="connsiteY8"/>
+                  </a:cxn>
+                  <a:cxn ang="0">
+                    <a:pos x="connsiteX9" y="connsiteY9"/>
+                  </a:cxn>
+                  <a:cxn ang="0">
+                    <a:pos x="connsiteX10" y="connsiteY10"/>
+                  </a:cxn>
+                </a:cxnLst>
+                <a:rect l="l" t="t" r="r" b="b"/>
+                <a:pathLst>
+                  <a:path w="162449" h="182876">
+                    <a:moveTo>
+                      <a:pt x="91594" y="182876"/>
+                    </a:moveTo>
+                    <a:cubicBezTo>
+                      <a:pt x="41088" y="182876"/>
+                      <a:pt x="0" y="141854"/>
+                      <a:pt x="0" y="91436"/>
+                    </a:cubicBezTo>
+                    <a:cubicBezTo>
+                      <a:pt x="0" y="41019"/>
+                      <a:pt x="41092" y="0"/>
+                      <a:pt x="91594" y="0"/>
+                    </a:cubicBezTo>
+                    <a:cubicBezTo>
+                      <a:pt x="119138" y="0"/>
+                      <a:pt x="144961" y="12213"/>
+                      <a:pt x="162450" y="33504"/>
+                    </a:cubicBezTo>
+                    <a:lnTo>
+                      <a:pt x="150469" y="43339"/>
+                    </a:lnTo>
+                    <a:cubicBezTo>
+                      <a:pt x="135937" y="25645"/>
+                      <a:pt x="114476" y="15497"/>
+                      <a:pt x="91591" y="15497"/>
+                    </a:cubicBezTo>
+                    <a:cubicBezTo>
+                      <a:pt x="49626" y="15497"/>
+                      <a:pt x="15490" y="49564"/>
+                      <a:pt x="15490" y="91440"/>
+                    </a:cubicBezTo>
+                    <a:cubicBezTo>
+                      <a:pt x="15490" y="133320"/>
+                      <a:pt x="49626" y="167387"/>
+                      <a:pt x="91591" y="167387"/>
+                    </a:cubicBezTo>
+                    <a:cubicBezTo>
+                      <a:pt x="108288" y="167387"/>
+                      <a:pt x="124152" y="162079"/>
+                      <a:pt x="137461" y="152040"/>
+                    </a:cubicBezTo>
+                    <a:lnTo>
+                      <a:pt x="146790" y="164411"/>
+                    </a:lnTo>
+                    <a:cubicBezTo>
+                      <a:pt x="130776" y="176492"/>
+                      <a:pt x="111685" y="182876"/>
+                      <a:pt x="91594" y="182876"/>
+                    </a:cubicBezTo>
+                    <a:close/>
+                  </a:path>
+                </a:pathLst>
+              </a:custGeom>
+              <a:grpFill/>
+              <a:ln w="3795" cap="flat">
+                <a:noFill/>
+                <a:prstDash val="solid"/>
+                <a:miter/>
+              </a:ln>
+            </p:spPr>
+            <p:txBody>
+              <a:bodyPr rtlCol="0" anchor="ctr"/>
+              <a:lstStyle/>
+              <a:p>
+                <a:pPr marL="0" marR="0" lvl="0" indent="0" defTabSz="914400" eaLnBrk="1" fontAlgn="auto" latinLnBrk="1" hangingPunct="1">
+                  <a:lnSpc>
+                    <a:spcPct val="100000"/>
+                  </a:lnSpc>
+                  <a:spcBef>
+                    <a:spcPts val="0"/>
+                  </a:spcBef>
+                  <a:spcAft>
+                    <a:spcPts val="0"/>
+                  </a:spcAft>
+                  <a:buClrTx/>
+                  <a:buSzTx/>
+                  <a:buFontTx/>
+                  <a:buNone/>
+                  <a:tabLst/>
+                  <a:defRPr/>
+                </a:pPr>
+                <a:endParaRPr kumimoji="0" lang="ko-KR" altLang="en-US" sz="1800" b="0" i="0" u="none" strike="noStrike" kern="0" cap="none" spc="0" normalizeH="0" baseline="0" noProof="0">
+                  <a:ln>
+                    <a:noFill/>
+                  </a:ln>
+                  <a:solidFill>
+                    <a:srgbClr val="000000"/>
+                  </a:solidFill>
+                  <a:effectLst/>
+                  <a:uLnTx/>
+                  <a:uFillTx/>
+                  <a:latin typeface="프리젠테이션 3 Light"/>
+                  <a:ea typeface="프리젠테이션 3 Light"/>
+                </a:endParaRPr>
+              </a:p>
+            </p:txBody>
+          </p:sp>
+          <p:sp>
+            <p:nvSpPr>
+              <p:cNvPr id="30" name="자유형: 도형 29">
+                <a:extLst>
+                  <a:ext uri="{FF2B5EF4-FFF2-40B4-BE49-F238E27FC236}">
+                    <a16:creationId xmlns:a16="http://schemas.microsoft.com/office/drawing/2014/main" id="{665F0C49-2C3F-FEDE-72F1-F3FD3E2E1799}"/>
+                  </a:ext>
+                </a:extLst>
+              </p:cNvPr>
+              <p:cNvSpPr/>
+              <p:nvPr/>
+            </p:nvSpPr>
+            <p:spPr>
+              <a:xfrm>
+                <a:off x="9514762" y="3730654"/>
+                <a:ext cx="87759" cy="93312"/>
+              </a:xfrm>
+              <a:custGeom>
+                <a:avLst/>
+                <a:gdLst>
+                  <a:gd name="connsiteX0" fmla="*/ 36342 w 87759"/>
+                  <a:gd name="connsiteY0" fmla="*/ 93312 h 93312"/>
+                  <a:gd name="connsiteX1" fmla="*/ 36342 w 87759"/>
+                  <a:gd name="connsiteY1" fmla="*/ 93312 h 93312"/>
+                  <a:gd name="connsiteX2" fmla="*/ 25009 w 87759"/>
+                  <a:gd name="connsiteY2" fmla="*/ 91618 h 93312"/>
+                  <a:gd name="connsiteX3" fmla="*/ 1283 w 87759"/>
+                  <a:gd name="connsiteY3" fmla="*/ 65475 h 93312"/>
+                  <a:gd name="connsiteX4" fmla="*/ 18224 w 87759"/>
+                  <a:gd name="connsiteY4" fmla="*/ 14583 h 93312"/>
+                  <a:gd name="connsiteX5" fmla="*/ 61064 w 87759"/>
+                  <a:gd name="connsiteY5" fmla="*/ 0 h 93312"/>
+                  <a:gd name="connsiteX6" fmla="*/ 79634 w 87759"/>
+                  <a:gd name="connsiteY6" fmla="*/ 1822 h 93312"/>
+                  <a:gd name="connsiteX7" fmla="*/ 87759 w 87759"/>
+                  <a:gd name="connsiteY7" fmla="*/ 3671 h 93312"/>
+                  <a:gd name="connsiteX8" fmla="*/ 85327 w 87759"/>
+                  <a:gd name="connsiteY8" fmla="*/ 11637 h 93312"/>
+                  <a:gd name="connsiteX9" fmla="*/ 67557 w 87759"/>
+                  <a:gd name="connsiteY9" fmla="*/ 68767 h 93312"/>
+                  <a:gd name="connsiteX10" fmla="*/ 36342 w 87759"/>
+                  <a:gd name="connsiteY10" fmla="*/ 93312 h 93312"/>
+                  <a:gd name="connsiteX11" fmla="*/ 61064 w 87759"/>
+                  <a:gd name="connsiteY11" fmla="*/ 15490 h 93312"/>
+                  <a:gd name="connsiteX12" fmla="*/ 28827 w 87759"/>
+                  <a:gd name="connsiteY12" fmla="*/ 25880 h 93312"/>
+                  <a:gd name="connsiteX13" fmla="*/ 16348 w 87759"/>
+                  <a:gd name="connsiteY13" fmla="*/ 61827 h 93312"/>
+                  <a:gd name="connsiteX14" fmla="*/ 29290 w 87759"/>
+                  <a:gd name="connsiteY14" fmla="*/ 76715 h 93312"/>
+                  <a:gd name="connsiteX15" fmla="*/ 36342 w 87759"/>
+                  <a:gd name="connsiteY15" fmla="*/ 77807 h 93312"/>
+                  <a:gd name="connsiteX16" fmla="*/ 36342 w 87759"/>
+                  <a:gd name="connsiteY16" fmla="*/ 77807 h 93312"/>
+                  <a:gd name="connsiteX17" fmla="*/ 52916 w 87759"/>
+                  <a:gd name="connsiteY17" fmla="*/ 63657 h 93312"/>
+                  <a:gd name="connsiteX18" fmla="*/ 67850 w 87759"/>
+                  <a:gd name="connsiteY18" fmla="*/ 15775 h 93312"/>
+                  <a:gd name="connsiteX19" fmla="*/ 61064 w 87759"/>
+                  <a:gd name="connsiteY19" fmla="*/ 15490 h 93312"/>
+                </a:gdLst>
+                <a:ahLst/>
+                <a:cxnLst>
+                  <a:cxn ang="0">
+                    <a:pos x="connsiteX0" y="connsiteY0"/>
+                  </a:cxn>
+                  <a:cxn ang="0">
+                    <a:pos x="connsiteX1" y="connsiteY1"/>
+                  </a:cxn>
+                  <a:cxn ang="0">
+                    <a:pos x="connsiteX2" y="connsiteY2"/>
+                  </a:cxn>
+                  <a:cxn ang="0">
+                    <a:pos x="connsiteX3" y="connsiteY3"/>
+                  </a:cxn>
+                  <a:cxn ang="0">
+                    <a:pos x="connsiteX4" y="connsiteY4"/>
+                  </a:cxn>
+                  <a:cxn ang="0">
+                    <a:pos x="connsiteX5" y="connsiteY5"/>
+                  </a:cxn>
+                  <a:cxn ang="0">
+                    <a:pos x="connsiteX6" y="connsiteY6"/>
+                  </a:cxn>
+                  <a:cxn ang="0">
+                    <a:pos x="connsiteX7" y="connsiteY7"/>
+                  </a:cxn>
+                  <a:cxn ang="0">
+                    <a:pos x="connsiteX8" y="connsiteY8"/>
+                  </a:cxn>
+                  <a:cxn ang="0">
+                    <a:pos x="connsiteX9" y="connsiteY9"/>
+                  </a:cxn>
+                  <a:cxn ang="0">
+                    <a:pos x="connsiteX10" y="connsiteY10"/>
+                  </a:cxn>
+                  <a:cxn ang="0">
+                    <a:pos x="connsiteX11" y="connsiteY11"/>
+                  </a:cxn>
+                  <a:cxn ang="0">
+                    <a:pos x="connsiteX12" y="connsiteY12"/>
+                  </a:cxn>
+                  <a:cxn ang="0">
+                    <a:pos x="connsiteX13" y="connsiteY13"/>
+                  </a:cxn>
+                  <a:cxn ang="0">
+                    <a:pos x="connsiteX14" y="connsiteY14"/>
+                  </a:cxn>
+                  <a:cxn ang="0">
+                    <a:pos x="connsiteX15" y="connsiteY15"/>
+                  </a:cxn>
+                  <a:cxn ang="0">
+                    <a:pos x="connsiteX16" y="connsiteY16"/>
+                  </a:cxn>
+                  <a:cxn ang="0">
+                    <a:pos x="connsiteX17" y="connsiteY17"/>
+                  </a:cxn>
+                  <a:cxn ang="0">
+                    <a:pos x="connsiteX18" y="connsiteY18"/>
+                  </a:cxn>
+                  <a:cxn ang="0">
+                    <a:pos x="connsiteX19" y="connsiteY19"/>
+                  </a:cxn>
+                </a:cxnLst>
+                <a:rect l="l" t="t" r="r" b="b"/>
+                <a:pathLst>
+                  <a:path w="87759" h="93312">
+                    <a:moveTo>
+                      <a:pt x="36342" y="93312"/>
+                    </a:moveTo>
+                    <a:cubicBezTo>
+                      <a:pt x="36338" y="93312"/>
+                      <a:pt x="36338" y="93312"/>
+                      <a:pt x="36342" y="93312"/>
+                    </a:cubicBezTo>
+                    <a:cubicBezTo>
+                      <a:pt x="32737" y="93312"/>
+                      <a:pt x="28927" y="92741"/>
+                      <a:pt x="25009" y="91618"/>
+                    </a:cubicBezTo>
+                    <a:cubicBezTo>
+                      <a:pt x="13295" y="88256"/>
+                      <a:pt x="4425" y="78483"/>
+                      <a:pt x="1283" y="65475"/>
+                    </a:cubicBezTo>
+                    <a:cubicBezTo>
+                      <a:pt x="-2971" y="47870"/>
+                      <a:pt x="3525" y="28374"/>
+                      <a:pt x="18224" y="14583"/>
+                    </a:cubicBezTo>
+                    <a:cubicBezTo>
+                      <a:pt x="31081" y="2528"/>
+                      <a:pt x="48616" y="0"/>
+                      <a:pt x="61064" y="0"/>
+                    </a:cubicBezTo>
+                    <a:cubicBezTo>
+                      <a:pt x="71497" y="0"/>
+                      <a:pt x="79310" y="1749"/>
+                      <a:pt x="79634" y="1822"/>
+                    </a:cubicBezTo>
+                    <a:lnTo>
+                      <a:pt x="87759" y="3671"/>
+                    </a:lnTo>
+                    <a:lnTo>
+                      <a:pt x="85327" y="11637"/>
+                    </a:lnTo>
+                    <a:cubicBezTo>
+                      <a:pt x="84706" y="13660"/>
+                      <a:pt x="70143" y="61333"/>
+                      <a:pt x="67557" y="68767"/>
+                    </a:cubicBezTo>
+                    <a:cubicBezTo>
+                      <a:pt x="62110" y="84361"/>
+                      <a:pt x="50735" y="93312"/>
+                      <a:pt x="36342" y="93312"/>
+                    </a:cubicBezTo>
+                    <a:close/>
+                    <a:moveTo>
+                      <a:pt x="61064" y="15490"/>
+                    </a:moveTo>
+                    <a:cubicBezTo>
+                      <a:pt x="51415" y="15490"/>
+                      <a:pt x="37986" y="17292"/>
+                      <a:pt x="28827" y="25880"/>
+                    </a:cubicBezTo>
+                    <a:cubicBezTo>
+                      <a:pt x="16105" y="37811"/>
+                      <a:pt x="14036" y="52270"/>
+                      <a:pt x="16348" y="61827"/>
+                    </a:cubicBezTo>
+                    <a:cubicBezTo>
+                      <a:pt x="18189" y="69462"/>
+                      <a:pt x="22906" y="74885"/>
+                      <a:pt x="29290" y="76715"/>
+                    </a:cubicBezTo>
+                    <a:cubicBezTo>
+                      <a:pt x="31818" y="77440"/>
+                      <a:pt x="34188" y="77807"/>
+                      <a:pt x="36342" y="77807"/>
+                    </a:cubicBezTo>
+                    <a:cubicBezTo>
+                      <a:pt x="36342" y="77807"/>
+                      <a:pt x="36342" y="77807"/>
+                      <a:pt x="36342" y="77807"/>
+                    </a:cubicBezTo>
+                    <a:cubicBezTo>
+                      <a:pt x="45965" y="77807"/>
+                      <a:pt x="50666" y="70114"/>
+                      <a:pt x="52916" y="63657"/>
+                    </a:cubicBezTo>
+                    <a:cubicBezTo>
+                      <a:pt x="54761" y="58373"/>
+                      <a:pt x="63403" y="30273"/>
+                      <a:pt x="67850" y="15775"/>
+                    </a:cubicBezTo>
+                    <a:cubicBezTo>
+                      <a:pt x="65831" y="15609"/>
+                      <a:pt x="63535" y="15490"/>
+                      <a:pt x="61064" y="15490"/>
+                    </a:cubicBezTo>
+                    <a:close/>
+                  </a:path>
+                </a:pathLst>
+              </a:custGeom>
+              <a:grpFill/>
+              <a:ln w="3795" cap="flat">
+                <a:noFill/>
+                <a:prstDash val="solid"/>
+                <a:miter/>
+              </a:ln>
+            </p:spPr>
+            <p:txBody>
+              <a:bodyPr rtlCol="0" anchor="ctr"/>
+              <a:lstStyle/>
+              <a:p>
+                <a:pPr marL="0" marR="0" lvl="0" indent="0" defTabSz="914400" eaLnBrk="1" fontAlgn="auto" latinLnBrk="1" hangingPunct="1">
+                  <a:lnSpc>
+                    <a:spcPct val="100000"/>
+                  </a:lnSpc>
+                  <a:spcBef>
+                    <a:spcPts val="0"/>
+                  </a:spcBef>
+                  <a:spcAft>
+                    <a:spcPts val="0"/>
+                  </a:spcAft>
+                  <a:buClrTx/>
+                  <a:buSzTx/>
+                  <a:buFontTx/>
+                  <a:buNone/>
+                  <a:tabLst/>
+                  <a:defRPr/>
+                </a:pPr>
+                <a:endParaRPr kumimoji="0" lang="ko-KR" altLang="en-US" sz="1800" b="0" i="0" u="none" strike="noStrike" kern="0" cap="none" spc="0" normalizeH="0" baseline="0" noProof="0">
+                  <a:ln>
+                    <a:noFill/>
+                  </a:ln>
+                  <a:solidFill>
+                    <a:srgbClr val="000000"/>
+                  </a:solidFill>
+                  <a:effectLst/>
+                  <a:uLnTx/>
+                  <a:uFillTx/>
+                  <a:latin typeface="프리젠테이션 3 Light"/>
+                  <a:ea typeface="프리젠테이션 3 Light"/>
+                </a:endParaRPr>
+              </a:p>
+            </p:txBody>
+          </p:sp>
+          <p:sp>
+            <p:nvSpPr>
+              <p:cNvPr id="31" name="자유형: 도형 30">
+                <a:extLst>
+                  <a:ext uri="{FF2B5EF4-FFF2-40B4-BE49-F238E27FC236}">
+                    <a16:creationId xmlns:a16="http://schemas.microsoft.com/office/drawing/2014/main" id="{97231F84-2102-EB26-0F50-115BD9535B6B}"/>
+                  </a:ext>
+                </a:extLst>
+              </p:cNvPr>
+              <p:cNvSpPr/>
+              <p:nvPr/>
+            </p:nvSpPr>
+            <p:spPr>
+              <a:xfrm>
+                <a:off x="9574392" y="3706526"/>
+                <a:ext cx="79178" cy="116614"/>
+              </a:xfrm>
+              <a:custGeom>
+                <a:avLst/>
+                <a:gdLst>
+                  <a:gd name="connsiteX0" fmla="*/ 27180 w 79178"/>
+                  <a:gd name="connsiteY0" fmla="*/ 116614 h 116614"/>
+                  <a:gd name="connsiteX1" fmla="*/ 6128 w 79178"/>
+                  <a:gd name="connsiteY1" fmla="*/ 108609 h 116614"/>
+                  <a:gd name="connsiteX2" fmla="*/ 8417 w 79178"/>
+                  <a:gd name="connsiteY2" fmla="*/ 39826 h 116614"/>
+                  <a:gd name="connsiteX3" fmla="*/ 23312 w 79178"/>
+                  <a:gd name="connsiteY3" fmla="*/ 44080 h 116614"/>
+                  <a:gd name="connsiteX4" fmla="*/ 16689 w 79178"/>
+                  <a:gd name="connsiteY4" fmla="*/ 97295 h 116614"/>
+                  <a:gd name="connsiteX5" fmla="*/ 34776 w 79178"/>
+                  <a:gd name="connsiteY5" fmla="*/ 99754 h 116614"/>
+                  <a:gd name="connsiteX6" fmla="*/ 63065 w 79178"/>
+                  <a:gd name="connsiteY6" fmla="*/ 64313 h 116614"/>
+                  <a:gd name="connsiteX7" fmla="*/ 38234 w 79178"/>
+                  <a:gd name="connsiteY7" fmla="*/ 12124 h 116614"/>
+                  <a:gd name="connsiteX8" fmla="*/ 47880 w 79178"/>
+                  <a:gd name="connsiteY8" fmla="*/ 0 h 116614"/>
+                  <a:gd name="connsiteX9" fmla="*/ 78338 w 79178"/>
+                  <a:gd name="connsiteY9" fmla="*/ 66938 h 116614"/>
+                  <a:gd name="connsiteX10" fmla="*/ 39821 w 79178"/>
+                  <a:gd name="connsiteY10" fmla="*/ 114410 h 116614"/>
+                  <a:gd name="connsiteX11" fmla="*/ 27180 w 79178"/>
+                  <a:gd name="connsiteY11" fmla="*/ 116614 h 116614"/>
+                </a:gdLst>
+                <a:ahLst/>
+                <a:cxnLst>
+                  <a:cxn ang="0">
+                    <a:pos x="connsiteX0" y="connsiteY0"/>
+                  </a:cxn>
+                  <a:cxn ang="0">
+                    <a:pos x="connsiteX1" y="connsiteY1"/>
+                  </a:cxn>
+                  <a:cxn ang="0">
+                    <a:pos x="connsiteX2" y="connsiteY2"/>
+                  </a:cxn>
+                  <a:cxn ang="0">
+                    <a:pos x="connsiteX3" y="connsiteY3"/>
+                  </a:cxn>
+                  <a:cxn ang="0">
+                    <a:pos x="connsiteX4" y="connsiteY4"/>
+                  </a:cxn>
+                  <a:cxn ang="0">
+                    <a:pos x="connsiteX5" y="connsiteY5"/>
+                  </a:cxn>
+                  <a:cxn ang="0">
+                    <a:pos x="connsiteX6" y="connsiteY6"/>
+                  </a:cxn>
+                  <a:cxn ang="0">
+                    <a:pos x="connsiteX7" y="connsiteY7"/>
+                  </a:cxn>
+                  <a:cxn ang="0">
+                    <a:pos x="connsiteX8" y="connsiteY8"/>
+                  </a:cxn>
+                  <a:cxn ang="0">
+                    <a:pos x="connsiteX9" y="connsiteY9"/>
+                  </a:cxn>
+                  <a:cxn ang="0">
+                    <a:pos x="connsiteX10" y="connsiteY10"/>
+                  </a:cxn>
+                  <a:cxn ang="0">
+                    <a:pos x="connsiteX11" y="connsiteY11"/>
+                  </a:cxn>
+                </a:cxnLst>
+                <a:rect l="l" t="t" r="r" b="b"/>
+                <a:pathLst>
+                  <a:path w="79178" h="116614">
+                    <a:moveTo>
+                      <a:pt x="27180" y="116614"/>
+                    </a:moveTo>
+                    <a:cubicBezTo>
+                      <a:pt x="19267" y="116614"/>
+                      <a:pt x="11949" y="113893"/>
+                      <a:pt x="6128" y="108609"/>
+                    </a:cubicBezTo>
+                    <a:cubicBezTo>
+                      <a:pt x="-5861" y="97732"/>
+                      <a:pt x="2411" y="60843"/>
+                      <a:pt x="8417" y="39826"/>
+                    </a:cubicBezTo>
+                    <a:lnTo>
+                      <a:pt x="23312" y="44080"/>
+                    </a:lnTo>
+                    <a:cubicBezTo>
+                      <a:pt x="16642" y="67474"/>
+                      <a:pt x="13489" y="92837"/>
+                      <a:pt x="16689" y="97295"/>
+                    </a:cubicBezTo>
+                    <a:cubicBezTo>
+                      <a:pt x="22417" y="102472"/>
+                      <a:pt x="29700" y="101507"/>
+                      <a:pt x="34776" y="99754"/>
+                    </a:cubicBezTo>
+                    <a:cubicBezTo>
+                      <a:pt x="46502" y="95717"/>
+                      <a:pt x="59985" y="82246"/>
+                      <a:pt x="63065" y="64313"/>
+                    </a:cubicBezTo>
+                    <a:cubicBezTo>
+                      <a:pt x="65300" y="51298"/>
+                      <a:pt x="62810" y="31682"/>
+                      <a:pt x="38234" y="12124"/>
+                    </a:cubicBezTo>
+                    <a:lnTo>
+                      <a:pt x="47880" y="0"/>
+                    </a:lnTo>
+                    <a:cubicBezTo>
+                      <a:pt x="79994" y="25556"/>
+                      <a:pt x="80747" y="52907"/>
+                      <a:pt x="78338" y="66938"/>
+                    </a:cubicBezTo>
+                    <a:cubicBezTo>
+                      <a:pt x="74660" y="88337"/>
+                      <a:pt x="58823" y="107860"/>
+                      <a:pt x="39821" y="114410"/>
+                    </a:cubicBezTo>
+                    <a:cubicBezTo>
+                      <a:pt x="35532" y="115881"/>
+                      <a:pt x="31271" y="116610"/>
+                      <a:pt x="27180" y="116614"/>
+                    </a:cubicBezTo>
+                    <a:close/>
+                  </a:path>
+                </a:pathLst>
+              </a:custGeom>
+              <a:grpFill/>
+              <a:ln w="3795" cap="flat">
+                <a:noFill/>
+                <a:prstDash val="solid"/>
+                <a:miter/>
+              </a:ln>
+            </p:spPr>
+            <p:txBody>
+              <a:bodyPr rtlCol="0" anchor="ctr"/>
+              <a:lstStyle/>
+              <a:p>
+                <a:pPr marL="0" marR="0" lvl="0" indent="0" defTabSz="914400" eaLnBrk="1" fontAlgn="auto" latinLnBrk="1" hangingPunct="1">
+                  <a:lnSpc>
+                    <a:spcPct val="100000"/>
+                  </a:lnSpc>
+                  <a:spcBef>
+                    <a:spcPts val="0"/>
+                  </a:spcBef>
+                  <a:spcAft>
+                    <a:spcPts val="0"/>
+                  </a:spcAft>
+                  <a:buClrTx/>
+                  <a:buSzTx/>
+                  <a:buFontTx/>
+                  <a:buNone/>
+                  <a:tabLst/>
+                  <a:defRPr/>
+                </a:pPr>
+                <a:endParaRPr kumimoji="0" lang="ko-KR" altLang="en-US" sz="1800" b="0" i="0" u="none" strike="noStrike" kern="0" cap="none" spc="0" normalizeH="0" baseline="0" noProof="0">
+                  <a:ln>
+                    <a:noFill/>
+                  </a:ln>
+                  <a:solidFill>
+                    <a:srgbClr val="000000"/>
+                  </a:solidFill>
+                  <a:effectLst/>
+                  <a:uLnTx/>
+                  <a:uFillTx/>
+                  <a:latin typeface="프리젠테이션 3 Light"/>
+                  <a:ea typeface="프리젠테이션 3 Light"/>
+                </a:endParaRPr>
+              </a:p>
+            </p:txBody>
+          </p:sp>
+        </p:grpSp>
+      </p:grpSp>
+      <p:cxnSp>
+        <p:nvCxnSpPr>
+          <p:cNvPr id="44" name="직선 연결선 43">
+            <a:extLst>
+              <a:ext uri="{FF2B5EF4-FFF2-40B4-BE49-F238E27FC236}">
+                <a16:creationId xmlns:a16="http://schemas.microsoft.com/office/drawing/2014/main" id="{B5BD9F7B-B7D0-0AAF-18EE-3F4CEBE12AF9}"/>
+              </a:ext>
+            </a:extLst>
+          </p:cNvPr>
+          <p:cNvCxnSpPr>
+            <a:cxnSpLocks/>
+          </p:cNvCxnSpPr>
+          <p:nvPr userDrawn="1"/>
+        </p:nvCxnSpPr>
+        <p:spPr>
+          <a:xfrm>
+            <a:off x="1211395" y="2859046"/>
+            <a:ext cx="622653" cy="0"/>
+          </a:xfrm>
+          <a:prstGeom prst="line">
+            <a:avLst/>
+          </a:prstGeom>
+          <a:noFill/>
+          <a:ln w="22225" cap="flat" cmpd="sng" algn="ctr">
+            <a:solidFill>
+              <a:srgbClr val="FFFFFF">
+                <a:lumMod val="85000"/>
+              </a:srgbClr>
+            </a:solidFill>
+            <a:prstDash val="solid"/>
+            <a:miter lim="800000"/>
+          </a:ln>
+          <a:effectLst/>
+        </p:spPr>
+      </p:cxnSp>
+      <p:sp>
+        <p:nvSpPr>
+          <p:cNvPr id="45" name="TextBox 44">
+            <a:extLst>
+              <a:ext uri="{FF2B5EF4-FFF2-40B4-BE49-F238E27FC236}">
+                <a16:creationId xmlns:a16="http://schemas.microsoft.com/office/drawing/2014/main" id="{93F2A526-9DA5-0FA8-236E-CDEE6690BE10}"/>
+              </a:ext>
+            </a:extLst>
+          </p:cNvPr>
+          <p:cNvSpPr txBox="1"/>
+          <p:nvPr userDrawn="1"/>
+        </p:nvSpPr>
+        <p:spPr>
+          <a:xfrm>
+            <a:off x="1103444" y="1802715"/>
+            <a:ext cx="2258952" cy="680636"/>
+          </a:xfrm>
+          <a:prstGeom prst="rect">
+            <a:avLst/>
+          </a:prstGeom>
+          <a:noFill/>
+        </p:spPr>
+        <p:txBody>
+          <a:bodyPr wrap="none" rtlCol="0">
+            <a:spAutoFit/>
+          </a:bodyPr>
+          <a:lstStyle/>
+          <a:p>
+            <a:pPr defTabSz="914400">
+              <a:lnSpc>
+                <a:spcPct val="110000"/>
+              </a:lnSpc>
+            </a:pPr>
+            <a:r>
+              <a:rPr lang="ko-KR" altLang="en-US" spc="-20" dirty="0">
+                <a:ln>
+                  <a:solidFill>
+                    <a:srgbClr val="000000">
+                      <a:alpha val="0"/>
+                    </a:srgbClr>
+                  </a:solidFill>
+                </a:ln>
+                <a:solidFill>
+                  <a:srgbClr val="0049F0"/>
+                </a:solidFill>
+                <a:latin typeface="프리젠테이션 8 ExtraBold" pitchFamily="2" charset="-127"/>
+                <a:ea typeface="프리젠테이션 8 ExtraBold" pitchFamily="2" charset="-127"/>
+                <a:cs typeface="Pretendard ExtraBold" panose="02000903000000020004" pitchFamily="2" charset="-127"/>
+              </a:rPr>
+              <a:t>중요한 내용</a:t>
+            </a:r>
+            <a:r>
+              <a:rPr lang="ko-KR" altLang="en-US" spc="-20" dirty="0">
+                <a:ln>
+                  <a:solidFill>
+                    <a:srgbClr val="000000">
+                      <a:alpha val="0"/>
+                    </a:srgbClr>
+                  </a:solidFill>
+                </a:ln>
+                <a:solidFill>
+                  <a:srgbClr val="0C0C0C"/>
+                </a:solidFill>
+                <a:latin typeface="프리젠테이션 5 Medium" pitchFamily="2" charset="-127"/>
+                <a:ea typeface="프리젠테이션 5 Medium" pitchFamily="2" charset="-127"/>
+                <a:cs typeface="Pretendard Medium" panose="02000603000000020004" pitchFamily="2" charset="-127"/>
+              </a:rPr>
+              <a:t>을</a:t>
+            </a:r>
+            <a:endParaRPr lang="en-US" altLang="ko-KR" spc="-20" dirty="0">
+              <a:ln>
+                <a:solidFill>
+                  <a:srgbClr val="000000">
+                    <a:alpha val="0"/>
+                  </a:srgbClr>
+                </a:solidFill>
+              </a:ln>
+              <a:solidFill>
+                <a:srgbClr val="0C0C0C"/>
+              </a:solidFill>
+              <a:latin typeface="프리젠테이션 5 Medium" pitchFamily="2" charset="-127"/>
+              <a:ea typeface="프리젠테이션 5 Medium" pitchFamily="2" charset="-127"/>
+              <a:cs typeface="Pretendard Medium" panose="02000603000000020004" pitchFamily="2" charset="-127"/>
+            </a:endParaRPr>
+          </a:p>
+          <a:p>
+            <a:pPr defTabSz="914400">
+              <a:lnSpc>
+                <a:spcPct val="110000"/>
+              </a:lnSpc>
+            </a:pPr>
+            <a:r>
+              <a:rPr lang="ko-KR" altLang="en-US" spc="-20" dirty="0">
+                <a:ln>
+                  <a:solidFill>
+                    <a:srgbClr val="000000">
+                      <a:alpha val="0"/>
+                    </a:srgbClr>
+                  </a:solidFill>
+                </a:ln>
+                <a:solidFill>
+                  <a:srgbClr val="0C0C0C"/>
+                </a:solidFill>
+                <a:latin typeface="프리젠테이션 5 Medium" pitchFamily="2" charset="-127"/>
+                <a:ea typeface="프리젠테이션 5 Medium" pitchFamily="2" charset="-127"/>
+                <a:cs typeface="Pretendard Medium" panose="02000603000000020004" pitchFamily="2" charset="-127"/>
+              </a:rPr>
+              <a:t>완전 멋지게 잘 적어주세요</a:t>
+            </a:r>
+            <a:r>
+              <a:rPr lang="en-US" altLang="ko-KR" spc="-20" dirty="0">
+                <a:ln>
+                  <a:solidFill>
+                    <a:srgbClr val="000000">
+                      <a:alpha val="0"/>
+                    </a:srgbClr>
+                  </a:solidFill>
+                </a:ln>
+                <a:solidFill>
+                  <a:srgbClr val="0C0C0C"/>
+                </a:solidFill>
+                <a:latin typeface="프리젠테이션 5 Medium" pitchFamily="2" charset="-127"/>
+                <a:ea typeface="프리젠테이션 5 Medium" pitchFamily="2" charset="-127"/>
+                <a:cs typeface="Pretendard Medium" panose="02000603000000020004" pitchFamily="2" charset="-127"/>
+              </a:rPr>
+              <a:t>.</a:t>
+            </a:r>
+            <a:endParaRPr lang="id-ID" altLang="ko-KR" spc="-20" dirty="0">
+              <a:ln>
+                <a:solidFill>
+                  <a:srgbClr val="000000">
+                    <a:alpha val="0"/>
+                  </a:srgbClr>
+                </a:solidFill>
+              </a:ln>
+              <a:solidFill>
+                <a:srgbClr val="0C0C0C"/>
+              </a:solidFill>
+              <a:latin typeface="프리젠테이션 5 Medium" pitchFamily="2" charset="-127"/>
+              <a:ea typeface="프리젠테이션 5 Medium" pitchFamily="2" charset="-127"/>
+              <a:cs typeface="Pretendard Medium" panose="02000603000000020004" pitchFamily="2" charset="-127"/>
+            </a:endParaRPr>
           </a:p>
         </p:txBody>
       </p:sp>
@@ -1341,7 +4162,7 @@
 </file>
 
 <file path=ppt/slideLayouts/slideLayout4.xml><?xml version="1.0" encoding="utf-8"?>
-<p:sldLayout xmlns:a="http://schemas.openxmlformats.org/drawingml/2006/main" xmlns:r="http://schemas.openxmlformats.org/officeDocument/2006/relationships" xmlns:p="http://schemas.openxmlformats.org/presentationml/2006/main" type="twoObj" preserve="1">
+<p:sldLayout xmlns:a="http://schemas.openxmlformats.org/drawingml/2006/main" xmlns:r="http://schemas.openxmlformats.org/officeDocument/2006/relationships" xmlns:p="http://schemas.openxmlformats.org/presentationml/2006/main" preserve="1" userDrawn="1">
   <p:cSld name="Layout_TOC">
     <p:spTree>
       <p:nvGrpSpPr>
@@ -1357,6 +4178,174 @@
           <a:chExt cx="0" cy="0"/>
         </a:xfrm>
       </p:grpSpPr>
+      <p:pic>
+        <p:nvPicPr>
+          <p:cNvPr id="9" name="그림 8" descr="하늘, 야외, 건물, 구름이(가) 표시된 사진&#10;&#10;자동 생성된 설명">
+            <a:extLst>
+              <a:ext uri="{FF2B5EF4-FFF2-40B4-BE49-F238E27FC236}">
+                <a16:creationId xmlns:a16="http://schemas.microsoft.com/office/drawing/2014/main" id="{4753C51E-8820-7FAE-0CA8-40E96D5DF690}"/>
+              </a:ext>
+            </a:extLst>
+          </p:cNvPr>
+          <p:cNvPicPr>
+            <a:picLocks noChangeAspect="1"/>
+          </p:cNvPicPr>
+          <p:nvPr userDrawn="1"/>
+        </p:nvPicPr>
+        <p:blipFill>
+          <a:blip r:embed="rId2" cstate="email">
+            <a:duotone>
+              <a:prstClr val="black"/>
+              <a:srgbClr val="F2F2F2">
+                <a:tint val="45000"/>
+                <a:satMod val="400000"/>
+              </a:srgbClr>
+            </a:duotone>
+            <a:extLst>
+              <a:ext uri="{28A0092B-C50C-407E-A947-70E740481C1C}">
+                <a14:useLocalDpi xmlns:a14="http://schemas.microsoft.com/office/drawing/2010/main"/>
+              </a:ext>
+            </a:extLst>
+          </a:blip>
+          <a:srcRect/>
+          <a:stretch>
+            <a:fillRect/>
+          </a:stretch>
+        </p:blipFill>
+        <p:spPr>
+          <a:xfrm>
+            <a:off x="0" y="0"/>
+            <a:ext cx="12192000" cy="6858000"/>
+          </a:xfrm>
+          <a:custGeom>
+            <a:avLst/>
+            <a:gdLst>
+              <a:gd name="connsiteX0" fmla="*/ 0 w 12192000"/>
+              <a:gd name="connsiteY0" fmla="*/ 0 h 6858000"/>
+              <a:gd name="connsiteX1" fmla="*/ 12192000 w 12192000"/>
+              <a:gd name="connsiteY1" fmla="*/ 0 h 6858000"/>
+              <a:gd name="connsiteX2" fmla="*/ 12192000 w 12192000"/>
+              <a:gd name="connsiteY2" fmla="*/ 6858000 h 6858000"/>
+              <a:gd name="connsiteX3" fmla="*/ 0 w 12192000"/>
+              <a:gd name="connsiteY3" fmla="*/ 6858000 h 6858000"/>
+            </a:gdLst>
+            <a:ahLst/>
+            <a:cxnLst>
+              <a:cxn ang="0">
+                <a:pos x="connsiteX0" y="connsiteY0"/>
+              </a:cxn>
+              <a:cxn ang="0">
+                <a:pos x="connsiteX1" y="connsiteY1"/>
+              </a:cxn>
+              <a:cxn ang="0">
+                <a:pos x="connsiteX2" y="connsiteY2"/>
+              </a:cxn>
+              <a:cxn ang="0">
+                <a:pos x="connsiteX3" y="connsiteY3"/>
+              </a:cxn>
+            </a:cxnLst>
+            <a:rect l="l" t="t" r="r" b="b"/>
+            <a:pathLst>
+              <a:path w="12192000" h="6858000">
+                <a:moveTo>
+                  <a:pt x="0" y="0"/>
+                </a:moveTo>
+                <a:lnTo>
+                  <a:pt x="12192000" y="0"/>
+                </a:lnTo>
+                <a:lnTo>
+                  <a:pt x="12192000" y="6858000"/>
+                </a:lnTo>
+                <a:lnTo>
+                  <a:pt x="0" y="6858000"/>
+                </a:lnTo>
+                <a:close/>
+              </a:path>
+            </a:pathLst>
+          </a:custGeom>
+        </p:spPr>
+      </p:pic>
+      <p:sp>
+        <p:nvSpPr>
+          <p:cNvPr id="8" name="Rectangle 75">
+            <a:extLst>
+              <a:ext uri="{FF2B5EF4-FFF2-40B4-BE49-F238E27FC236}">
+                <a16:creationId xmlns:a16="http://schemas.microsoft.com/office/drawing/2014/main" id="{2ACBB813-3D26-A0DC-95CE-AC6E6DEEF382}"/>
+              </a:ext>
+            </a:extLst>
+          </p:cNvPr>
+          <p:cNvSpPr/>
+          <p:nvPr userDrawn="1"/>
+        </p:nvSpPr>
+        <p:spPr>
+          <a:xfrm>
+            <a:off x="0" y="0"/>
+            <a:ext cx="7594600" cy="6858000"/>
+          </a:xfrm>
+          <a:prstGeom prst="rect">
+            <a:avLst/>
+          </a:prstGeom>
+          <a:gradFill>
+            <a:gsLst>
+              <a:gs pos="0">
+                <a:srgbClr val="1D3774">
+                  <a:alpha val="70000"/>
+                </a:srgbClr>
+              </a:gs>
+              <a:gs pos="96000">
+                <a:srgbClr val="1D3774">
+                  <a:alpha val="70000"/>
+                  <a:lumMod val="75000"/>
+                </a:srgbClr>
+              </a:gs>
+            </a:gsLst>
+            <a:lin ang="2700000" scaled="0"/>
+          </a:gradFill>
+          <a:ln w="19050" cap="flat" cmpd="sng" algn="ctr">
+            <a:noFill/>
+            <a:prstDash val="solid"/>
+            <a:miter lim="800000"/>
+          </a:ln>
+          <a:effectLst/>
+        </p:spPr>
+        <p:txBody>
+          <a:bodyPr rtlCol="0" anchor="ctr"/>
+          <a:lstStyle/>
+          <a:p>
+            <a:pPr marL="0" marR="0" lvl="0" indent="0" algn="ctr" defTabSz="914377" eaLnBrk="1" fontAlgn="auto" latinLnBrk="0" hangingPunct="1">
+              <a:lnSpc>
+                <a:spcPct val="100000"/>
+              </a:lnSpc>
+              <a:spcBef>
+                <a:spcPts val="0"/>
+              </a:spcBef>
+              <a:spcAft>
+                <a:spcPts val="0"/>
+              </a:spcAft>
+              <a:buClrTx/>
+              <a:buSzTx/>
+              <a:buFontTx/>
+              <a:buNone/>
+              <a:tabLst/>
+              <a:defRPr/>
+            </a:pPr>
+            <a:endParaRPr kumimoji="0" lang="en-US" sz="1800" b="0" i="0" u="none" strike="noStrike" kern="0" cap="none" spc="0" normalizeH="0" baseline="0" noProof="0" dirty="0">
+              <a:ln>
+                <a:noFill/>
+              </a:ln>
+              <a:solidFill>
+                <a:prstClr val="white"/>
+              </a:solidFill>
+              <a:effectLst/>
+              <a:uLnTx/>
+              <a:uFillTx/>
+              <a:latin typeface="Arial" panose="020B0604020202020204" pitchFamily="34" charset="0"/>
+              <a:ea typeface="페이퍼로지 5 Medium"/>
+              <a:cs typeface="+mn-cs"/>
+            </a:endParaRPr>
+          </a:p>
+        </p:txBody>
+      </p:sp>
       <p:sp>
         <p:nvSpPr>
           <p:cNvPr id="2" name="Title 1"/>
@@ -1367,13 +4356,28 @@
             <p:ph type="title"/>
           </p:nvPr>
         </p:nvSpPr>
-        <p:spPr/>
+        <p:spPr>
+          <a:xfrm>
+            <a:off x="443176" y="302837"/>
+            <a:ext cx="4616879" cy="1143000"/>
+          </a:xfrm>
+        </p:spPr>
         <p:txBody>
           <a:bodyPr/>
-          <a:lstStyle/>
-          <a:p>
-            <a:r>
-              <a:rPr lang="en-US"/>
+          <a:lstStyle>
+            <a:lvl1pPr>
+              <a:defRPr>
+                <a:solidFill>
+                  <a:schemeClr val="bg1"/>
+                </a:solidFill>
+                <a:latin typeface="프리젠테이션 8 ExtraBold" pitchFamily="2" charset="-127"/>
+                <a:ea typeface="프리젠테이션 8 ExtraBold" pitchFamily="2" charset="-127"/>
+              </a:defRPr>
+            </a:lvl1pPr>
+          </a:lstStyle>
+          <a:p>
+            <a:r>
+              <a:rPr lang="en-US" dirty="0"/>
               <a:t>Click to edit Master title style</a:t>
             </a:r>
           </a:p>
@@ -1391,27 +4395,59 @@
         </p:nvSpPr>
         <p:spPr>
           <a:xfrm>
-            <a:off x="457200" y="1600200"/>
-            <a:ext cx="4038600" cy="4525963"/>
+            <a:off x="457200" y="2002704"/>
+            <a:ext cx="4038600" cy="4123459"/>
           </a:xfrm>
         </p:spPr>
         <p:txBody>
-          <a:bodyPr/>
+          <a:bodyPr>
+            <a:normAutofit/>
+          </a:bodyPr>
           <a:lstStyle>
             <a:lvl1pPr>
-              <a:defRPr sz="2800"/>
+              <a:defRPr sz="1800">
+                <a:solidFill>
+                  <a:schemeClr val="bg1"/>
+                </a:solidFill>
+                <a:latin typeface="페이퍼로지 5 Medium" pitchFamily="2" charset="-127"/>
+                <a:ea typeface="페이퍼로지 5 Medium" pitchFamily="2" charset="-127"/>
+              </a:defRPr>
             </a:lvl1pPr>
             <a:lvl2pPr>
-              <a:defRPr sz="2400"/>
+              <a:defRPr sz="1800">
+                <a:solidFill>
+                  <a:schemeClr val="bg1"/>
+                </a:solidFill>
+                <a:latin typeface="페이퍼로지 5 Medium" pitchFamily="2" charset="-127"/>
+                <a:ea typeface="페이퍼로지 5 Medium" pitchFamily="2" charset="-127"/>
+              </a:defRPr>
             </a:lvl2pPr>
             <a:lvl3pPr>
-              <a:defRPr sz="2000"/>
+              <a:defRPr sz="1800">
+                <a:solidFill>
+                  <a:schemeClr val="bg1"/>
+                </a:solidFill>
+                <a:latin typeface="페이퍼로지 5 Medium" pitchFamily="2" charset="-127"/>
+                <a:ea typeface="페이퍼로지 5 Medium" pitchFamily="2" charset="-127"/>
+              </a:defRPr>
             </a:lvl3pPr>
             <a:lvl4pPr>
-              <a:defRPr sz="1800"/>
+              <a:defRPr sz="1800">
+                <a:solidFill>
+                  <a:schemeClr val="bg1"/>
+                </a:solidFill>
+                <a:latin typeface="페이퍼로지 5 Medium" pitchFamily="2" charset="-127"/>
+                <a:ea typeface="페이퍼로지 5 Medium" pitchFamily="2" charset="-127"/>
+              </a:defRPr>
             </a:lvl4pPr>
             <a:lvl5pPr>
-              <a:defRPr sz="1800"/>
+              <a:defRPr sz="1800">
+                <a:solidFill>
+                  <a:schemeClr val="bg1"/>
+                </a:solidFill>
+                <a:latin typeface="페이퍼로지 5 Medium" pitchFamily="2" charset="-127"/>
+                <a:ea typeface="페이퍼로지 5 Medium" pitchFamily="2" charset="-127"/>
+              </a:defRPr>
             </a:lvl5pPr>
             <a:lvl6pPr>
               <a:defRPr sz="1800"/>
@@ -1429,119 +4465,35 @@
           <a:p>
             <a:pPr lvl="0"/>
             <a:r>
-              <a:rPr lang="en-US"/>
+              <a:rPr lang="en-US" dirty="0"/>
               <a:t>Click to edit Master text styles</a:t>
             </a:r>
           </a:p>
           <a:p>
             <a:pPr lvl="1"/>
             <a:r>
-              <a:rPr lang="en-US"/>
+              <a:rPr lang="en-US" dirty="0"/>
               <a:t>Second level</a:t>
             </a:r>
           </a:p>
           <a:p>
             <a:pPr lvl="2"/>
             <a:r>
-              <a:rPr lang="en-US"/>
+              <a:rPr lang="en-US" dirty="0"/>
               <a:t>Third level</a:t>
             </a:r>
           </a:p>
           <a:p>
             <a:pPr lvl="3"/>
             <a:r>
-              <a:rPr lang="en-US"/>
+              <a:rPr lang="en-US" dirty="0"/>
               <a:t>Fourth level</a:t>
             </a:r>
           </a:p>
           <a:p>
             <a:pPr lvl="4"/>
             <a:r>
-              <a:rPr lang="en-US"/>
-              <a:t>Fifth level</a:t>
-            </a:r>
-          </a:p>
-        </p:txBody>
-      </p:sp>
-      <p:sp>
-        <p:nvSpPr>
-          <p:cNvPr id="4" name="Content Placeholder 3"/>
-          <p:cNvSpPr>
-            <a:spLocks noGrp="1"/>
-          </p:cNvSpPr>
-          <p:nvPr>
-            <p:ph sz="half" idx="2"/>
-          </p:nvPr>
-        </p:nvSpPr>
-        <p:spPr>
-          <a:xfrm>
-            <a:off x="4648200" y="1600200"/>
-            <a:ext cx="4038600" cy="4525963"/>
-          </a:xfrm>
-        </p:spPr>
-        <p:txBody>
-          <a:bodyPr/>
-          <a:lstStyle>
-            <a:lvl1pPr>
-              <a:defRPr sz="2800"/>
-            </a:lvl1pPr>
-            <a:lvl2pPr>
-              <a:defRPr sz="2400"/>
-            </a:lvl2pPr>
-            <a:lvl3pPr>
-              <a:defRPr sz="2000"/>
-            </a:lvl3pPr>
-            <a:lvl4pPr>
-              <a:defRPr sz="1800"/>
-            </a:lvl4pPr>
-            <a:lvl5pPr>
-              <a:defRPr sz="1800"/>
-            </a:lvl5pPr>
-            <a:lvl6pPr>
-              <a:defRPr sz="1800"/>
-            </a:lvl6pPr>
-            <a:lvl7pPr>
-              <a:defRPr sz="1800"/>
-            </a:lvl7pPr>
-            <a:lvl8pPr>
-              <a:defRPr sz="1800"/>
-            </a:lvl8pPr>
-            <a:lvl9pPr>
-              <a:defRPr sz="1800"/>
-            </a:lvl9pPr>
-          </a:lstStyle>
-          <a:p>
-            <a:pPr lvl="0"/>
-            <a:r>
-              <a:rPr lang="en-US"/>
-              <a:t>Click to edit Master text styles</a:t>
-            </a:r>
-          </a:p>
-          <a:p>
-            <a:pPr lvl="1"/>
-            <a:r>
-              <a:rPr lang="en-US"/>
-              <a:t>Second level</a:t>
-            </a:r>
-          </a:p>
-          <a:p>
-            <a:pPr lvl="2"/>
-            <a:r>
-              <a:rPr lang="en-US"/>
-              <a:t>Third level</a:t>
-            </a:r>
-          </a:p>
-          <a:p>
-            <a:pPr lvl="3"/>
-            <a:r>
-              <a:rPr lang="en-US"/>
-              <a:t>Fourth level</a:t>
-            </a:r>
-          </a:p>
-          <a:p>
-            <a:pPr lvl="4"/>
-            <a:r>
-              <a:rPr lang="en-US"/>
+              <a:rPr lang="en-US" dirty="0"/>
               <a:t>Fifth level</a:t>
             </a:r>
           </a:p>

--- a/src/templates/pptx/default_template.pptx
+++ b/src/templates/pptx/default_template.pptx
@@ -999,7 +999,7 @@
           </a:bodyPr>
           <a:lstStyle>
             <a:lvl1pPr>
-              <a:defRPr sz="1200">
+              <a:defRPr sz="1600">
                 <a:solidFill>
                   <a:schemeClr val="tx1">
                     <a:lumMod val="65000"/>
@@ -1011,7 +1011,7 @@
               </a:defRPr>
             </a:lvl1pPr>
             <a:lvl2pPr>
-              <a:defRPr sz="1200">
+              <a:defRPr sz="1600">
                 <a:solidFill>
                   <a:schemeClr val="tx1">
                     <a:lumMod val="65000"/>
@@ -1023,7 +1023,7 @@
               </a:defRPr>
             </a:lvl2pPr>
             <a:lvl3pPr>
-              <a:defRPr sz="1200">
+              <a:defRPr sz="1600">
                 <a:solidFill>
                   <a:schemeClr val="tx1">
                     <a:lumMod val="65000"/>
@@ -1035,7 +1035,7 @@
               </a:defRPr>
             </a:lvl3pPr>
             <a:lvl4pPr>
-              <a:defRPr sz="1200">
+              <a:defRPr sz="1600">
                 <a:solidFill>
                   <a:schemeClr val="tx1">
                     <a:lumMod val="65000"/>
@@ -1047,7 +1047,7 @@
               </a:defRPr>
             </a:lvl4pPr>
             <a:lvl5pPr>
-              <a:defRPr sz="1200">
+              <a:defRPr sz="1600">
                 <a:solidFill>
                   <a:schemeClr val="tx1">
                     <a:lumMod val="65000"/>
@@ -1209,7 +1209,7 @@
           <a:p>
             <a:pPr algn="r" defTabSz="914400" latinLnBrk="1"/>
             <a:r>
-              <a:rPr lang="en-US" altLang="ko-KR">
+              <a:rPr lang="en-US" altLang="ko-KR" dirty="0">
                 <a:ln>
                   <a:solidFill>
                     <a:srgbClr val="000000">
@@ -1218,7 +1218,7 @@
                   </a:solidFill>
                 </a:ln>
                 <a:solidFill>
-                  <a:srgbClr val="0049F0"/>
+                  <a:srgbClr val="182D60"/>
                 </a:solidFill>
                 <a:latin typeface="프리젠테이션 5 Medium" pitchFamily="2" charset="-127"/>
                 <a:ea typeface="프리젠테이션 5 Medium" pitchFamily="2" charset="-127"/>
@@ -1288,7 +1288,7 @@
           <a:noFill/>
           <a:ln w="38100" cap="rnd" cmpd="sng" algn="ctr">
             <a:solidFill>
-              <a:srgbClr val="0049F0"/>
+              <a:srgbClr val="182D60"/>
             </a:solidFill>
             <a:prstDash val="solid"/>
             <a:miter lim="800000"/>
@@ -1335,7 +1335,7 @@
                   </a:solidFill>
                 </a:ln>
                 <a:solidFill>
-                  <a:srgbClr val="0049F0"/>
+                  <a:srgbClr val="182D60"/>
                 </a:solidFill>
                 <a:latin typeface="프리젠테이션 9 Black" pitchFamily="2" charset="-127"/>
                 <a:ea typeface="프리젠테이션 9 Black" pitchFamily="2" charset="-127"/>
@@ -1369,7 +1369,7 @@
             </a:avLst>
           </a:prstGeom>
           <a:solidFill>
-            <a:srgbClr val="0049F0"/>
+            <a:srgbClr val="182D60"/>
           </a:solidFill>
           <a:ln w="12700" cap="flat" cmpd="sng" algn="ctr">
             <a:noFill/>
@@ -1550,7 +1550,7 @@
             </a:avLst>
           </a:prstGeom>
           <a:solidFill>
-            <a:srgbClr val="0049F0"/>
+            <a:srgbClr val="182D60"/>
           </a:solidFill>
           <a:ln w="12700" cap="flat" cmpd="sng" algn="ctr">
             <a:solidFill>
@@ -1733,7 +1733,7 @@
             </a:avLst>
           </a:prstGeom>
           <a:solidFill>
-            <a:srgbClr val="0049F0"/>
+            <a:srgbClr val="182D60"/>
           </a:solidFill>
           <a:ln w="12700" cap="flat" cmpd="sng" algn="ctr">
             <a:noFill/>
@@ -1916,7 +1916,7 @@
           <a:noFill/>
           <a:ln w="12700" cap="flat" cmpd="sng" algn="ctr">
             <a:solidFill>
-              <a:srgbClr val="0049F0"/>
+              <a:srgbClr val="182D60"/>
             </a:solidFill>
             <a:prstDash val="solid"/>
             <a:miter lim="800000"/>
@@ -1981,7 +1981,7 @@
             <a:chExt cx="494062" cy="485929"/>
           </a:xfrm>
           <a:solidFill>
-            <a:srgbClr val="0049F0"/>
+            <a:srgbClr val="182D60"/>
           </a:solidFill>
         </p:grpSpPr>
         <p:grpSp>
@@ -3801,7 +3801,7 @@
                   </a:solidFill>
                 </a:ln>
                 <a:solidFill>
-                  <a:srgbClr val="0049F0"/>
+                  <a:srgbClr val="182D60"/>
                 </a:solidFill>
                 <a:latin typeface="프리젠테이션 8 ExtraBold" pitchFamily="2" charset="-127"/>
                 <a:ea typeface="프리젠테이션 8 ExtraBold" pitchFamily="2" charset="-127"/>
@@ -3935,6 +3935,211 @@
       </p:grpSpPr>
       <p:sp>
         <p:nvSpPr>
+          <p:cNvPr id="11" name="자유형: 도형 10">
+            <a:extLst>
+              <a:ext uri="{FF2B5EF4-FFF2-40B4-BE49-F238E27FC236}">
+                <a16:creationId xmlns:a16="http://schemas.microsoft.com/office/drawing/2014/main" id="{10C3AF27-D59A-E367-9C4A-4D2F66BB24F9}"/>
+              </a:ext>
+            </a:extLst>
+          </p:cNvPr>
+          <p:cNvSpPr/>
+          <p:nvPr userDrawn="1"/>
+        </p:nvSpPr>
+        <p:spPr>
+          <a:xfrm rot="5400000">
+            <a:off x="460720" y="-460720"/>
+            <a:ext cx="6858000" cy="7779441"/>
+          </a:xfrm>
+          <a:custGeom>
+            <a:avLst/>
+            <a:gdLst>
+              <a:gd name="connsiteX0" fmla="*/ 0 w 6858000"/>
+              <a:gd name="connsiteY0" fmla="*/ 7779441 h 7779441"/>
+              <a:gd name="connsiteX1" fmla="*/ 0 w 6858000"/>
+              <a:gd name="connsiteY1" fmla="*/ 2289810 h 7779441"/>
+              <a:gd name="connsiteX2" fmla="*/ 6858000 w 6858000"/>
+              <a:gd name="connsiteY2" fmla="*/ 0 h 7779441"/>
+              <a:gd name="connsiteX3" fmla="*/ 6858000 w 6858000"/>
+              <a:gd name="connsiteY3" fmla="*/ 7779441 h 7779441"/>
+            </a:gdLst>
+            <a:ahLst/>
+            <a:cxnLst>
+              <a:cxn ang="0">
+                <a:pos x="connsiteX0" y="connsiteY0"/>
+              </a:cxn>
+              <a:cxn ang="0">
+                <a:pos x="connsiteX1" y="connsiteY1"/>
+              </a:cxn>
+              <a:cxn ang="0">
+                <a:pos x="connsiteX2" y="connsiteY2"/>
+              </a:cxn>
+              <a:cxn ang="0">
+                <a:pos x="connsiteX3" y="connsiteY3"/>
+              </a:cxn>
+            </a:cxnLst>
+            <a:rect l="l" t="t" r="r" b="b"/>
+            <a:pathLst>
+              <a:path w="6858000" h="7779441">
+                <a:moveTo>
+                  <a:pt x="0" y="7779441"/>
+                </a:moveTo>
+                <a:lnTo>
+                  <a:pt x="0" y="2289810"/>
+                </a:lnTo>
+                <a:lnTo>
+                  <a:pt x="6858000" y="0"/>
+                </a:lnTo>
+                <a:lnTo>
+                  <a:pt x="6858000" y="7779441"/>
+                </a:lnTo>
+                <a:close/>
+              </a:path>
+            </a:pathLst>
+          </a:custGeom>
+          <a:solidFill>
+            <a:srgbClr val="182D60"/>
+          </a:solidFill>
+          <a:ln>
+            <a:noFill/>
+          </a:ln>
+          <a:effectLst>
+            <a:innerShdw blurRad="139700" dist="88900" dir="13200000">
+              <a:sysClr val="windowText" lastClr="000000">
+                <a:alpha val="13000"/>
+              </a:sysClr>
+            </a:innerShdw>
+          </a:effectLst>
+        </p:spPr>
+        <p:txBody>
+          <a:bodyPr vert="horz" wrap="square" lIns="91440" tIns="45720" rIns="91440" bIns="45720" numCol="1" anchor="t" anchorCtr="0" compatLnSpc="1">
+            <a:prstTxWarp prst="textNoShape">
+              <a:avLst/>
+            </a:prstTxWarp>
+            <a:noAutofit/>
+          </a:bodyPr>
+          <a:lstStyle/>
+          <a:p>
+            <a:pPr marL="0" marR="0" lvl="0" indent="0" defTabSz="914400" eaLnBrk="1" fontAlgn="auto" latinLnBrk="0" hangingPunct="1">
+              <a:lnSpc>
+                <a:spcPct val="100000"/>
+              </a:lnSpc>
+              <a:spcBef>
+                <a:spcPts val="0"/>
+              </a:spcBef>
+              <a:spcAft>
+                <a:spcPts val="0"/>
+              </a:spcAft>
+              <a:buClrTx/>
+              <a:buSzTx/>
+              <a:buFontTx/>
+              <a:buNone/>
+              <a:tabLst/>
+              <a:defRPr/>
+            </a:pPr>
+            <a:endParaRPr kumimoji="0" lang="ko-KR" altLang="en-US" sz="1800" b="0" i="0" u="none" strike="noStrike" kern="0" cap="none" spc="0" normalizeH="0" baseline="0" noProof="0" dirty="0">
+              <a:ln>
+                <a:noFill/>
+              </a:ln>
+              <a:solidFill>
+                <a:srgbClr val="ACB0C0"/>
+              </a:solidFill>
+              <a:effectLst/>
+              <a:uLnTx/>
+              <a:uFillTx/>
+              <a:latin typeface="프리젠테이션 5 Medium" pitchFamily="2" charset="-127"/>
+            </a:endParaRPr>
+          </a:p>
+        </p:txBody>
+      </p:sp>
+      <p:pic>
+        <p:nvPicPr>
+          <p:cNvPr id="14" name="그림 개체 틀 11" descr="컴퓨터, 사람, 노트북, 실내이(가) 표시된 사진&#10;&#10;자동 생성된 설명">
+            <a:extLst>
+              <a:ext uri="{FF2B5EF4-FFF2-40B4-BE49-F238E27FC236}">
+                <a16:creationId xmlns:a16="http://schemas.microsoft.com/office/drawing/2014/main" id="{7700861A-6513-D584-3D20-5828EE925C31}"/>
+              </a:ext>
+            </a:extLst>
+          </p:cNvPr>
+          <p:cNvPicPr>
+            <a:picLocks noChangeAspect="1"/>
+          </p:cNvPicPr>
+          <p:nvPr userDrawn="1"/>
+        </p:nvPicPr>
+        <p:blipFill>
+          <a:blip r:embed="rId2" cstate="email">
+            <a:duotone>
+              <a:prstClr val="black"/>
+              <a:srgbClr val="EBECF0">
+                <a:tint val="45000"/>
+                <a:satMod val="400000"/>
+              </a:srgbClr>
+            </a:duotone>
+            <a:extLst>
+              <a:ext uri="{28A0092B-C50C-407E-A947-70E740481C1C}">
+                <a14:useLocalDpi xmlns:a14="http://schemas.microsoft.com/office/drawing/2010/main"/>
+              </a:ext>
+            </a:extLst>
+          </a:blip>
+          <a:srcRect/>
+          <a:stretch>
+            <a:fillRect/>
+          </a:stretch>
+        </p:blipFill>
+        <p:spPr>
+          <a:xfrm>
+            <a:off x="0" y="638175"/>
+            <a:ext cx="6800850" cy="5581650"/>
+          </a:xfrm>
+          <a:custGeom>
+            <a:avLst/>
+            <a:gdLst>
+              <a:gd name="connsiteX0" fmla="*/ 0 w 6800291"/>
+              <a:gd name="connsiteY0" fmla="*/ 0 h 5582329"/>
+              <a:gd name="connsiteX1" fmla="*/ 4815463 w 6800291"/>
+              <a:gd name="connsiteY1" fmla="*/ 0 h 5582329"/>
+              <a:gd name="connsiteX2" fmla="*/ 6800291 w 6800291"/>
+              <a:gd name="connsiteY2" fmla="*/ 5582329 h 5582329"/>
+              <a:gd name="connsiteX3" fmla="*/ 0 w 6800291"/>
+              <a:gd name="connsiteY3" fmla="*/ 5582329 h 5582329"/>
+            </a:gdLst>
+            <a:ahLst/>
+            <a:cxnLst>
+              <a:cxn ang="0">
+                <a:pos x="connsiteX0" y="connsiteY0"/>
+              </a:cxn>
+              <a:cxn ang="0">
+                <a:pos x="connsiteX1" y="connsiteY1"/>
+              </a:cxn>
+              <a:cxn ang="0">
+                <a:pos x="connsiteX2" y="connsiteY2"/>
+              </a:cxn>
+              <a:cxn ang="0">
+                <a:pos x="connsiteX3" y="connsiteY3"/>
+              </a:cxn>
+            </a:cxnLst>
+            <a:rect l="l" t="t" r="r" b="b"/>
+            <a:pathLst>
+              <a:path w="6800291" h="5582329">
+                <a:moveTo>
+                  <a:pt x="0" y="0"/>
+                </a:moveTo>
+                <a:lnTo>
+                  <a:pt x="4815463" y="0"/>
+                </a:lnTo>
+                <a:lnTo>
+                  <a:pt x="6800291" y="5582329"/>
+                </a:lnTo>
+                <a:lnTo>
+                  <a:pt x="0" y="5582329"/>
+                </a:lnTo>
+                <a:close/>
+              </a:path>
+            </a:pathLst>
+          </a:custGeom>
+        </p:spPr>
+      </p:pic>
+      <p:sp>
+        <p:nvSpPr>
           <p:cNvPr id="2" name="Title 1"/>
           <p:cNvSpPr>
             <a:spLocks noGrp="1"/>
@@ -3945,20 +4150,28 @@
         </p:nvSpPr>
         <p:spPr>
           <a:xfrm>
-            <a:off x="722313" y="4406900"/>
-            <a:ext cx="7772400" cy="1362075"/>
+            <a:off x="6800851" y="2299996"/>
+            <a:ext cx="4681332" cy="428400"/>
           </a:xfrm>
         </p:spPr>
         <p:txBody>
-          <a:bodyPr anchor="t"/>
+          <a:bodyPr anchor="t">
+            <a:normAutofit/>
+          </a:bodyPr>
           <a:lstStyle>
             <a:lvl1pPr algn="l">
-              <a:defRPr sz="4000" b="1" cap="all"/>
+              <a:defRPr sz="2800" b="1" cap="all">
+                <a:solidFill>
+                  <a:srgbClr val="182D60"/>
+                </a:solidFill>
+                <a:latin typeface="페이퍼로지 8 ExtraBold" pitchFamily="2" charset="-127"/>
+                <a:ea typeface="페이퍼로지 8 ExtraBold" pitchFamily="2" charset="-127"/>
+              </a:defRPr>
             </a:lvl1pPr>
           </a:lstStyle>
           <a:p>
             <a:r>
-              <a:rPr lang="en-US"/>
+              <a:rPr lang="en-US" dirty="0"/>
               <a:t>Click to edit Master title style</a:t>
             </a:r>
           </a:p>
@@ -3976,21 +4189,26 @@
         </p:nvSpPr>
         <p:spPr>
           <a:xfrm>
-            <a:off x="722313" y="2906713"/>
-            <a:ext cx="7772400" cy="1500187"/>
+            <a:off x="7406640" y="3188388"/>
+            <a:ext cx="4184967" cy="474980"/>
           </a:xfrm>
         </p:spPr>
         <p:txBody>
-          <a:bodyPr anchor="b"/>
+          <a:bodyPr anchor="b">
+            <a:normAutofit/>
+          </a:bodyPr>
           <a:lstStyle>
             <a:lvl1pPr marL="0" indent="0">
               <a:buNone/>
-              <a:defRPr sz="2000">
+              <a:defRPr sz="1800">
                 <a:solidFill>
                   <a:schemeClr val="tx1">
-                    <a:tint val="75000"/>
+                    <a:lumMod val="50000"/>
+                    <a:lumOff val="50000"/>
                   </a:schemeClr>
                 </a:solidFill>
+                <a:latin typeface="페이퍼로지 5 Medium" pitchFamily="2" charset="-127"/>
+                <a:ea typeface="페이퍼로지 5 Medium" pitchFamily="2" charset="-127"/>
               </a:defRPr>
             </a:lvl1pPr>
             <a:lvl2pPr marL="457200" indent="0">
@@ -4077,7 +4295,7 @@
           <a:p>
             <a:pPr lvl="0"/>
             <a:r>
-              <a:rPr lang="en-US"/>
+              <a:rPr lang="en-US" dirty="0"/>
               <a:t>Click to edit Master text styles</a:t>
             </a:r>
           </a:p>
@@ -5116,6 +5334,14 @@
 <file path=ppt/slideLayouts/slideLayout7.xml><?xml version="1.0" encoding="utf-8"?>
 <p:sldLayout xmlns:a="http://schemas.openxmlformats.org/drawingml/2006/main" xmlns:r="http://schemas.openxmlformats.org/officeDocument/2006/relationships" xmlns:p="http://schemas.openxmlformats.org/presentationml/2006/main" type="blank" preserve="1">
   <p:cSld name="Layout_QNA">
+    <p:bg>
+      <p:bgPr>
+        <a:solidFill>
+          <a:srgbClr val="182D60"/>
+        </a:solidFill>
+        <a:effectLst/>
+      </p:bgPr>
+    </p:bg>
     <p:spTree>
       <p:nvGrpSpPr>
         <p:cNvPr id="1" name=""/>
@@ -5192,6 +5418,192 @@
               <a:t>‹#›</a:t>
             </a:fld>
             <a:endParaRPr lang="en-US"/>
+          </a:p>
+        </p:txBody>
+      </p:sp>
+      <p:cxnSp>
+        <p:nvCxnSpPr>
+          <p:cNvPr id="5" name="직선 연결선 4">
+            <a:extLst>
+              <a:ext uri="{FF2B5EF4-FFF2-40B4-BE49-F238E27FC236}">
+                <a16:creationId xmlns:a16="http://schemas.microsoft.com/office/drawing/2014/main" id="{20458C7B-676D-6010-F870-CA1C99E9D8A4}"/>
+              </a:ext>
+            </a:extLst>
+          </p:cNvPr>
+          <p:cNvCxnSpPr>
+            <a:cxnSpLocks/>
+          </p:cNvCxnSpPr>
+          <p:nvPr userDrawn="1"/>
+        </p:nvCxnSpPr>
+        <p:spPr>
+          <a:xfrm>
+            <a:off x="1023738" y="-20471"/>
+            <a:ext cx="0" cy="7074414"/>
+          </a:xfrm>
+          <a:prstGeom prst="line">
+            <a:avLst/>
+          </a:prstGeom>
+          <a:noFill/>
+          <a:ln w="6350" cap="flat" cmpd="sng" algn="ctr">
+            <a:solidFill>
+              <a:srgbClr val="000000">
+                <a:lumMod val="10000"/>
+                <a:lumOff val="90000"/>
+              </a:srgbClr>
+            </a:solidFill>
+            <a:prstDash val="solid"/>
+            <a:miter lim="800000"/>
+          </a:ln>
+          <a:effectLst/>
+        </p:spPr>
+      </p:cxnSp>
+      <p:cxnSp>
+        <p:nvCxnSpPr>
+          <p:cNvPr id="6" name="직선 연결선 5">
+            <a:extLst>
+              <a:ext uri="{FF2B5EF4-FFF2-40B4-BE49-F238E27FC236}">
+                <a16:creationId xmlns:a16="http://schemas.microsoft.com/office/drawing/2014/main" id="{96721D87-F11A-5B17-02B0-D01F7257BD50}"/>
+              </a:ext>
+            </a:extLst>
+          </p:cNvPr>
+          <p:cNvCxnSpPr>
+            <a:cxnSpLocks/>
+          </p:cNvCxnSpPr>
+          <p:nvPr userDrawn="1"/>
+        </p:nvCxnSpPr>
+        <p:spPr>
+          <a:xfrm>
+            <a:off x="0" y="996014"/>
+            <a:ext cx="12192000" cy="0"/>
+          </a:xfrm>
+          <a:prstGeom prst="line">
+            <a:avLst/>
+          </a:prstGeom>
+          <a:noFill/>
+          <a:ln w="6350" cap="flat" cmpd="sng" algn="ctr">
+            <a:solidFill>
+              <a:srgbClr val="000000">
+                <a:lumMod val="10000"/>
+                <a:lumOff val="90000"/>
+              </a:srgbClr>
+            </a:solidFill>
+            <a:prstDash val="solid"/>
+            <a:miter lim="800000"/>
+          </a:ln>
+          <a:effectLst/>
+        </p:spPr>
+      </p:cxnSp>
+      <p:cxnSp>
+        <p:nvCxnSpPr>
+          <p:cNvPr id="7" name="직선 연결선 6">
+            <a:extLst>
+              <a:ext uri="{FF2B5EF4-FFF2-40B4-BE49-F238E27FC236}">
+                <a16:creationId xmlns:a16="http://schemas.microsoft.com/office/drawing/2014/main" id="{B8AF1F6E-7822-7D42-C4AC-D233FAF98892}"/>
+              </a:ext>
+            </a:extLst>
+          </p:cNvPr>
+          <p:cNvCxnSpPr>
+            <a:cxnSpLocks/>
+          </p:cNvCxnSpPr>
+          <p:nvPr userDrawn="1"/>
+        </p:nvCxnSpPr>
+        <p:spPr>
+          <a:xfrm>
+            <a:off x="0" y="5861986"/>
+            <a:ext cx="12192000" cy="0"/>
+          </a:xfrm>
+          <a:prstGeom prst="line">
+            <a:avLst/>
+          </a:prstGeom>
+          <a:noFill/>
+          <a:ln w="6350" cap="flat" cmpd="sng" algn="ctr">
+            <a:solidFill>
+              <a:srgbClr val="000000">
+                <a:lumMod val="10000"/>
+                <a:lumOff val="90000"/>
+              </a:srgbClr>
+            </a:solidFill>
+            <a:prstDash val="solid"/>
+            <a:miter lim="800000"/>
+          </a:ln>
+          <a:effectLst/>
+        </p:spPr>
+      </p:cxnSp>
+      <p:sp>
+        <p:nvSpPr>
+          <p:cNvPr id="8" name="TextBox 7">
+            <a:extLst>
+              <a:ext uri="{FF2B5EF4-FFF2-40B4-BE49-F238E27FC236}">
+                <a16:creationId xmlns:a16="http://schemas.microsoft.com/office/drawing/2014/main" id="{383B3755-489E-89C8-64F3-441AF1653356}"/>
+              </a:ext>
+            </a:extLst>
+          </p:cNvPr>
+          <p:cNvSpPr txBox="1"/>
+          <p:nvPr userDrawn="1"/>
+        </p:nvSpPr>
+        <p:spPr>
+          <a:xfrm>
+            <a:off x="4763045" y="2901183"/>
+            <a:ext cx="2513509" cy="1231106"/>
+          </a:xfrm>
+          <a:prstGeom prst="rect">
+            <a:avLst/>
+          </a:prstGeom>
+          <a:noFill/>
+        </p:spPr>
+        <p:txBody>
+          <a:bodyPr wrap="none" lIns="0" tIns="0" rIns="0" bIns="0" rtlCol="0">
+            <a:spAutoFit/>
+          </a:bodyPr>
+          <a:lstStyle>
+            <a:defPPr>
+              <a:defRPr lang="ko-KR"/>
+            </a:defPPr>
+            <a:lvl1pPr>
+              <a:defRPr sz="4000">
+                <a:ln>
+                  <a:solidFill>
+                    <a:schemeClr val="accent1">
+                      <a:alpha val="0"/>
+                    </a:schemeClr>
+                  </a:solidFill>
+                </a:ln>
+                <a:solidFill>
+                  <a:srgbClr val="FFCE32"/>
+                </a:solidFill>
+                <a:latin typeface="Pretendard ExtraBold" panose="02000903000000020004" pitchFamily="2" charset="-127"/>
+                <a:ea typeface="Pretendard ExtraBold" panose="02000903000000020004" pitchFamily="2" charset="-127"/>
+                <a:cs typeface="Pretendard ExtraBold" panose="02000903000000020004" pitchFamily="2" charset="-127"/>
+              </a:defRPr>
+            </a:lvl1pPr>
+          </a:lstStyle>
+          <a:p>
+            <a:pPr defTabSz="914400" latinLnBrk="1"/>
+            <a:r>
+              <a:rPr lang="en-US" altLang="ko-KR" sz="8000" dirty="0">
+                <a:ln w="19050">
+                  <a:solidFill>
+                    <a:srgbClr val="FFFFFF"/>
+                  </a:solidFill>
+                </a:ln>
+                <a:noFill/>
+                <a:latin typeface="프리젠테이션 9 Black" pitchFamily="2" charset="-127"/>
+                <a:ea typeface="프리젠테이션 9 Black" pitchFamily="2" charset="-127"/>
+                <a:cs typeface="Pretendard Black" panose="02000A03000000020004" pitchFamily="2" charset="-127"/>
+              </a:rPr>
+              <a:t>Q &amp; A</a:t>
+            </a:r>
+            <a:endParaRPr lang="ko-KR" altLang="en-US" sz="8000" dirty="0">
+              <a:ln w="19050">
+                <a:solidFill>
+                  <a:srgbClr val="FFFFFF"/>
+                </a:solidFill>
+              </a:ln>
+              <a:noFill/>
+              <a:latin typeface="프리젠테이션 9 Black" pitchFamily="2" charset="-127"/>
+              <a:ea typeface="프리젠테이션 9 Black" pitchFamily="2" charset="-127"/>
+              <a:cs typeface="Pretendard Black" panose="02000A03000000020004" pitchFamily="2" charset="-127"/>
+            </a:endParaRPr>
           </a:p>
         </p:txBody>
       </p:sp>
@@ -5484,7 +5896,7 @@
 </file>
 
 <file path=ppt/slideLayouts/slideLayout9.xml><?xml version="1.0" encoding="utf-8"?>
-<p:sldLayout xmlns:a="http://schemas.openxmlformats.org/drawingml/2006/main" xmlns:r="http://schemas.openxmlformats.org/officeDocument/2006/relationships" xmlns:p="http://schemas.openxmlformats.org/presentationml/2006/main" type="picTx" preserve="1">
+<p:sldLayout xmlns:a="http://schemas.openxmlformats.org/drawingml/2006/main" xmlns:r="http://schemas.openxmlformats.org/officeDocument/2006/relationships" xmlns:p="http://schemas.openxmlformats.org/presentationml/2006/main" preserve="1" userDrawn="1">
   <p:cSld name="Layout_Image_Right">
     <p:spTree>
       <p:nvGrpSpPr>
@@ -5502,6 +5914,84 @@
       </p:grpSpPr>
       <p:sp>
         <p:nvSpPr>
+          <p:cNvPr id="9" name="직사각형 8">
+            <a:extLst>
+              <a:ext uri="{FF2B5EF4-FFF2-40B4-BE49-F238E27FC236}">
+                <a16:creationId xmlns:a16="http://schemas.microsoft.com/office/drawing/2014/main" id="{C50C88BD-0E3C-E292-3CDF-65248145B64B}"/>
+              </a:ext>
+            </a:extLst>
+          </p:cNvPr>
+          <p:cNvSpPr/>
+          <p:nvPr userDrawn="1"/>
+        </p:nvSpPr>
+        <p:spPr>
+          <a:xfrm>
+            <a:off x="0" y="0"/>
+            <a:ext cx="5422392" cy="6858000"/>
+          </a:xfrm>
+          <a:prstGeom prst="rect">
+            <a:avLst/>
+          </a:prstGeom>
+          <a:gradFill>
+            <a:gsLst>
+              <a:gs pos="0">
+                <a:srgbClr val="1D3774"/>
+              </a:gs>
+              <a:gs pos="100000">
+                <a:srgbClr val="1D3774">
+                  <a:lumMod val="75000"/>
+                </a:srgbClr>
+              </a:gs>
+            </a:gsLst>
+            <a:lin ang="2700000" scaled="0"/>
+          </a:gradFill>
+          <a:ln w="19050" cap="flat" cmpd="sng" algn="ctr">
+            <a:noFill/>
+            <a:prstDash val="solid"/>
+            <a:miter lim="800000"/>
+          </a:ln>
+          <a:effectLst/>
+        </p:spPr>
+        <p:txBody>
+          <a:bodyPr anchor="ctr"/>
+          <a:lstStyle/>
+          <a:p>
+            <a:pPr marL="0" marR="0" lvl="0" indent="0" algn="ctr" defTabSz="914377" eaLnBrk="1" fontAlgn="auto" latinLnBrk="0" hangingPunct="1">
+              <a:lnSpc>
+                <a:spcPct val="100000"/>
+              </a:lnSpc>
+              <a:spcBef>
+                <a:spcPts val="0"/>
+              </a:spcBef>
+              <a:spcAft>
+                <a:spcPts val="0"/>
+              </a:spcAft>
+              <a:buClrTx/>
+              <a:buSzTx/>
+              <a:buFontTx/>
+              <a:buNone/>
+              <a:tabLst/>
+              <a:defRPr/>
+            </a:pPr>
+            <a:endParaRPr kumimoji="0" lang="ko-KR" altLang="en-US" sz="1800" b="0" i="0" u="none" strike="noStrike" kern="0" cap="none" spc="0" normalizeH="0" baseline="0" noProof="0" dirty="0">
+              <a:ln>
+                <a:noFill/>
+              </a:ln>
+              <a:solidFill>
+                <a:prstClr val="white"/>
+              </a:solidFill>
+              <a:effectLst/>
+              <a:uLnTx/>
+              <a:uFillTx/>
+              <a:latin typeface="Arial" panose="020B0604020202020204" pitchFamily="34" charset="0"/>
+              <a:ea typeface="페이퍼로지 5 Medium"/>
+              <a:cs typeface="+mn-cs"/>
+            </a:endParaRPr>
+          </a:p>
+        </p:txBody>
+      </p:sp>
+      <p:sp>
+        <p:nvSpPr>
           <p:cNvPr id="2" name="Title 1"/>
           <p:cNvSpPr>
             <a:spLocks noGrp="1"/>
@@ -5512,20 +6002,28 @@
         </p:nvSpPr>
         <p:spPr>
           <a:xfrm>
-            <a:off x="1792288" y="4800600"/>
-            <a:ext cx="5486400" cy="566738"/>
+            <a:off x="621508" y="886331"/>
+            <a:ext cx="4529612" cy="566738"/>
           </a:xfrm>
         </p:spPr>
         <p:txBody>
-          <a:bodyPr anchor="b"/>
+          <a:bodyPr anchor="b">
+            <a:noAutofit/>
+          </a:bodyPr>
           <a:lstStyle>
             <a:lvl1pPr algn="l">
-              <a:defRPr sz="2000" b="1"/>
+              <a:defRPr sz="3200" b="1">
+                <a:solidFill>
+                  <a:schemeClr val="bg1"/>
+                </a:solidFill>
+                <a:latin typeface="페이퍼로지 8 ExtraBold" pitchFamily="2" charset="-127"/>
+                <a:ea typeface="페이퍼로지 8 ExtraBold" pitchFamily="2" charset="-127"/>
+              </a:defRPr>
             </a:lvl1pPr>
           </a:lstStyle>
           <a:p>
             <a:r>
-              <a:rPr lang="en-US"/>
+              <a:rPr lang="en-US" dirty="0"/>
               <a:t>Click to edit Master title style</a:t>
             </a:r>
           </a:p>
@@ -5533,7 +6031,179 @@
       </p:sp>
       <p:sp>
         <p:nvSpPr>
-          <p:cNvPr id="3" name="Picture Placeholder 2"/>
+          <p:cNvPr id="4" name="Text Placeholder 3"/>
+          <p:cNvSpPr>
+            <a:spLocks noGrp="1"/>
+          </p:cNvSpPr>
+          <p:nvPr>
+            <p:ph type="body" sz="half" idx="2"/>
+          </p:nvPr>
+        </p:nvSpPr>
+        <p:spPr>
+          <a:xfrm>
+            <a:off x="704598" y="2018218"/>
+            <a:ext cx="6261894" cy="3666302"/>
+          </a:xfrm>
+        </p:spPr>
+        <p:txBody>
+          <a:bodyPr/>
+          <a:lstStyle>
+            <a:lvl1pPr marL="0" indent="0">
+              <a:buNone/>
+              <a:defRPr sz="1400">
+                <a:solidFill>
+                  <a:schemeClr val="bg1"/>
+                </a:solidFill>
+                <a:latin typeface="페이퍼로지 5 Medium" pitchFamily="2" charset="-127"/>
+                <a:ea typeface="페이퍼로지 5 Medium" pitchFamily="2" charset="-127"/>
+              </a:defRPr>
+            </a:lvl1pPr>
+            <a:lvl2pPr marL="457200" indent="0">
+              <a:buNone/>
+              <a:defRPr sz="1200"/>
+            </a:lvl2pPr>
+            <a:lvl3pPr marL="914400" indent="0">
+              <a:buNone/>
+              <a:defRPr sz="1000"/>
+            </a:lvl3pPr>
+            <a:lvl4pPr marL="1371600" indent="0">
+              <a:buNone/>
+              <a:defRPr sz="900"/>
+            </a:lvl4pPr>
+            <a:lvl5pPr marL="1828800" indent="0">
+              <a:buNone/>
+              <a:defRPr sz="900"/>
+            </a:lvl5pPr>
+            <a:lvl6pPr marL="2286000" indent="0">
+              <a:buNone/>
+              <a:defRPr sz="900"/>
+            </a:lvl6pPr>
+            <a:lvl7pPr marL="2743200" indent="0">
+              <a:buNone/>
+              <a:defRPr sz="900"/>
+            </a:lvl7pPr>
+            <a:lvl8pPr marL="3200400" indent="0">
+              <a:buNone/>
+              <a:defRPr sz="900"/>
+            </a:lvl8pPr>
+            <a:lvl9pPr marL="3657600" indent="0">
+              <a:buNone/>
+              <a:defRPr sz="900"/>
+            </a:lvl9pPr>
+          </a:lstStyle>
+          <a:p>
+            <a:pPr lvl="0"/>
+            <a:r>
+              <a:rPr lang="en-US"/>
+              <a:t>Click to edit Master text styles</a:t>
+            </a:r>
+          </a:p>
+        </p:txBody>
+      </p:sp>
+      <p:sp>
+        <p:nvSpPr>
+          <p:cNvPr id="5" name="Date Placeholder 4"/>
+          <p:cNvSpPr>
+            <a:spLocks noGrp="1"/>
+          </p:cNvSpPr>
+          <p:nvPr>
+            <p:ph type="dt" sz="half" idx="10"/>
+          </p:nvPr>
+        </p:nvSpPr>
+        <p:spPr/>
+        <p:txBody>
+          <a:bodyPr/>
+          <a:lstStyle/>
+          <a:p>
+            <a:fld id="{5BCAD085-E8A6-8845-BD4E-CB4CCA059FC4}" type="datetimeFigureOut">
+              <a:rPr lang="en-US" smtClean="0"/>
+              <a:t>8/6/2025</a:t>
+            </a:fld>
+            <a:endParaRPr lang="en-US"/>
+          </a:p>
+        </p:txBody>
+      </p:sp>
+      <p:sp>
+        <p:nvSpPr>
+          <p:cNvPr id="6" name="Footer Placeholder 5"/>
+          <p:cNvSpPr>
+            <a:spLocks noGrp="1"/>
+          </p:cNvSpPr>
+          <p:nvPr>
+            <p:ph type="ftr" sz="quarter" idx="11"/>
+          </p:nvPr>
+        </p:nvSpPr>
+        <p:spPr/>
+        <p:txBody>
+          <a:bodyPr/>
+          <a:lstStyle/>
+          <a:p>
+            <a:endParaRPr lang="en-US"/>
+          </a:p>
+        </p:txBody>
+      </p:sp>
+      <p:sp>
+        <p:nvSpPr>
+          <p:cNvPr id="7" name="Slide Number Placeholder 6"/>
+          <p:cNvSpPr>
+            <a:spLocks noGrp="1"/>
+          </p:cNvSpPr>
+          <p:nvPr>
+            <p:ph type="sldNum" sz="quarter" idx="12"/>
+          </p:nvPr>
+        </p:nvSpPr>
+        <p:spPr/>
+        <p:txBody>
+          <a:bodyPr/>
+          <a:lstStyle/>
+          <a:p>
+            <a:fld id="{C1FF6DA9-008F-8B48-92A6-B652298478BF}" type="slidenum">
+              <a:rPr lang="en-US" smtClean="0"/>
+              <a:t>‹#›</a:t>
+            </a:fld>
+            <a:endParaRPr lang="en-US"/>
+          </a:p>
+        </p:txBody>
+      </p:sp>
+      <p:sp>
+        <p:nvSpPr>
+          <p:cNvPr id="20" name="그림 개체 틀 19">
+            <a:extLst>
+              <a:ext uri="{FF2B5EF4-FFF2-40B4-BE49-F238E27FC236}">
+                <a16:creationId xmlns:a16="http://schemas.microsoft.com/office/drawing/2014/main" id="{87370612-D09B-EE10-EF30-6B54486A4381}"/>
+              </a:ext>
+            </a:extLst>
+          </p:cNvPr>
+          <p:cNvSpPr>
+            <a:spLocks noGrp="1"/>
+          </p:cNvSpPr>
+          <p:nvPr>
+            <p:ph type="pic" sz="quarter" idx="13"/>
+          </p:nvPr>
+        </p:nvSpPr>
+        <p:spPr>
+          <a:xfrm>
+            <a:off x="704598" y="2018218"/>
+            <a:ext cx="6261894" cy="3666302"/>
+          </a:xfrm>
+        </p:spPr>
+        <p:txBody>
+          <a:bodyPr/>
+          <a:lstStyle/>
+          <a:p>
+            <a:endParaRPr lang="ko-KR" altLang="en-US"/>
+          </a:p>
+        </p:txBody>
+      </p:sp>
+      <p:sp>
+        <p:nvSpPr>
+          <p:cNvPr id="11" name="Picture Placeholder 2">
+            <a:extLst>
+              <a:ext uri="{FF2B5EF4-FFF2-40B4-BE49-F238E27FC236}">
+                <a16:creationId xmlns:a16="http://schemas.microsoft.com/office/drawing/2014/main" id="{8B816FDD-AA00-7FEF-AE48-52C8A7A87F93}"/>
+              </a:ext>
+            </a:extLst>
+          </p:cNvPr>
           <p:cNvSpPr>
             <a:spLocks noGrp="1"/>
           </p:cNvSpPr>
@@ -5543,16 +6213,27 @@
         </p:nvSpPr>
         <p:spPr>
           <a:xfrm>
-            <a:off x="1792288" y="612775"/>
-            <a:ext cx="5486400" cy="4114800"/>
+            <a:off x="7467600" y="825371"/>
+            <a:ext cx="4358640" cy="5246687"/>
           </a:xfrm>
         </p:spPr>
         <p:txBody>
-          <a:bodyPr/>
+          <a:bodyPr>
+            <a:normAutofit/>
+          </a:bodyPr>
           <a:lstStyle>
             <a:lvl1pPr marL="0" indent="0">
               <a:buNone/>
-              <a:defRPr sz="3200"/>
+              <a:defRPr sz="1800">
+                <a:solidFill>
+                  <a:schemeClr val="tx1">
+                    <a:lumMod val="85000"/>
+                    <a:lumOff val="15000"/>
+                  </a:schemeClr>
+                </a:solidFill>
+                <a:latin typeface="프리젠테이션 5 Medium" pitchFamily="2" charset="-127"/>
+                <a:ea typeface="프리젠테이션 5 Medium" pitchFamily="2" charset="-127"/>
+              </a:defRPr>
             </a:lvl1pPr>
             <a:lvl2pPr marL="457200" indent="0">
               <a:buNone/>
@@ -5588,137 +6269,7 @@
             </a:lvl9pPr>
           </a:lstStyle>
           <a:p>
-            <a:endParaRPr lang="en-US"/>
-          </a:p>
-        </p:txBody>
-      </p:sp>
-      <p:sp>
-        <p:nvSpPr>
-          <p:cNvPr id="4" name="Text Placeholder 3"/>
-          <p:cNvSpPr>
-            <a:spLocks noGrp="1"/>
-          </p:cNvSpPr>
-          <p:nvPr>
-            <p:ph type="body" sz="half" idx="2"/>
-          </p:nvPr>
-        </p:nvSpPr>
-        <p:spPr>
-          <a:xfrm>
-            <a:off x="1792288" y="5367338"/>
-            <a:ext cx="5486400" cy="804862"/>
-          </a:xfrm>
-        </p:spPr>
-        <p:txBody>
-          <a:bodyPr/>
-          <a:lstStyle>
-            <a:lvl1pPr marL="0" indent="0">
-              <a:buNone/>
-              <a:defRPr sz="1400"/>
-            </a:lvl1pPr>
-            <a:lvl2pPr marL="457200" indent="0">
-              <a:buNone/>
-              <a:defRPr sz="1200"/>
-            </a:lvl2pPr>
-            <a:lvl3pPr marL="914400" indent="0">
-              <a:buNone/>
-              <a:defRPr sz="1000"/>
-            </a:lvl3pPr>
-            <a:lvl4pPr marL="1371600" indent="0">
-              <a:buNone/>
-              <a:defRPr sz="900"/>
-            </a:lvl4pPr>
-            <a:lvl5pPr marL="1828800" indent="0">
-              <a:buNone/>
-              <a:defRPr sz="900"/>
-            </a:lvl5pPr>
-            <a:lvl6pPr marL="2286000" indent="0">
-              <a:buNone/>
-              <a:defRPr sz="900"/>
-            </a:lvl6pPr>
-            <a:lvl7pPr marL="2743200" indent="0">
-              <a:buNone/>
-              <a:defRPr sz="900"/>
-            </a:lvl7pPr>
-            <a:lvl8pPr marL="3200400" indent="0">
-              <a:buNone/>
-              <a:defRPr sz="900"/>
-            </a:lvl8pPr>
-            <a:lvl9pPr marL="3657600" indent="0">
-              <a:buNone/>
-              <a:defRPr sz="900"/>
-            </a:lvl9pPr>
-          </a:lstStyle>
-          <a:p>
-            <a:pPr lvl="0"/>
-            <a:r>
-              <a:rPr lang="en-US"/>
-              <a:t>Click to edit Master text styles</a:t>
-            </a:r>
-          </a:p>
-        </p:txBody>
-      </p:sp>
-      <p:sp>
-        <p:nvSpPr>
-          <p:cNvPr id="5" name="Date Placeholder 4"/>
-          <p:cNvSpPr>
-            <a:spLocks noGrp="1"/>
-          </p:cNvSpPr>
-          <p:nvPr>
-            <p:ph type="dt" sz="half" idx="10"/>
-          </p:nvPr>
-        </p:nvSpPr>
-        <p:spPr/>
-        <p:txBody>
-          <a:bodyPr/>
-          <a:lstStyle/>
-          <a:p>
-            <a:fld id="{5BCAD085-E8A6-8845-BD4E-CB4CCA059FC4}" type="datetimeFigureOut">
-              <a:rPr lang="en-US" smtClean="0"/>
-              <a:t>8/6/2025</a:t>
-            </a:fld>
-            <a:endParaRPr lang="en-US"/>
-          </a:p>
-        </p:txBody>
-      </p:sp>
-      <p:sp>
-        <p:nvSpPr>
-          <p:cNvPr id="6" name="Footer Placeholder 5"/>
-          <p:cNvSpPr>
-            <a:spLocks noGrp="1"/>
-          </p:cNvSpPr>
-          <p:nvPr>
-            <p:ph type="ftr" sz="quarter" idx="11"/>
-          </p:nvPr>
-        </p:nvSpPr>
-        <p:spPr/>
-        <p:txBody>
-          <a:bodyPr/>
-          <a:lstStyle/>
-          <a:p>
-            <a:endParaRPr lang="en-US"/>
-          </a:p>
-        </p:txBody>
-      </p:sp>
-      <p:sp>
-        <p:nvSpPr>
-          <p:cNvPr id="7" name="Slide Number Placeholder 6"/>
-          <p:cNvSpPr>
-            <a:spLocks noGrp="1"/>
-          </p:cNvSpPr>
-          <p:nvPr>
-            <p:ph type="sldNum" sz="quarter" idx="12"/>
-          </p:nvPr>
-        </p:nvSpPr>
-        <p:spPr/>
-        <p:txBody>
-          <a:bodyPr/>
-          <a:lstStyle/>
-          <a:p>
-            <a:fld id="{C1FF6DA9-008F-8B48-92A6-B652298478BF}" type="slidenum">
-              <a:rPr lang="en-US" smtClean="0"/>
-              <a:t>‹#›</a:t>
-            </a:fld>
-            <a:endParaRPr lang="en-US"/>
+            <a:endParaRPr lang="en-US" dirty="0"/>
           </a:p>
         </p:txBody>
       </p:sp>
